--- a/quals.pptx
+++ b/quals.pptx
@@ -1,11 +1,15 @@
 
 <file path=ppt/presentation.xml><?xml version="1.0" encoding="utf-8"?>
-<p:presentation xmlns:a="http://schemas.openxmlformats.org/drawingml/2006/main" xmlns:r="http://schemas.openxmlformats.org/officeDocument/2006/relationships" xmlns:p="http://schemas.openxmlformats.org/presentationml/2006/main" saveSubsetFonts="1">
+<p:presentation xmlns:a="http://schemas.openxmlformats.org/drawingml/2006/main" xmlns:r="http://schemas.openxmlformats.org/officeDocument/2006/relationships" xmlns:p="http://schemas.openxmlformats.org/presentationml/2006/main" showSpecialPlsOnTitleSld="0" saveSubsetFonts="1">
   <p:sldMasterIdLst>
     <p:sldMasterId id="2147483648" r:id="rId1"/>
   </p:sldMasterIdLst>
+  <p:notesMasterIdLst>
+    <p:notesMasterId r:id="rId4"/>
+  </p:notesMasterIdLst>
   <p:sldIdLst>
     <p:sldId id="256" r:id="rId2"/>
+    <p:sldId id="257" r:id="rId3"/>
   </p:sldIdLst>
   <p:sldSz cx="12192000" cy="6858000"/>
   <p:notesSz cx="6858000" cy="9144000"/>
@@ -104,7 +108,361 @@
       </a:defRPr>
     </a:lvl9pPr>
   </p:defaultTextStyle>
+  <p:extLst>
+    <p:ext uri="{EFAFB233-063F-42B5-8137-9DF3F51BA10A}">
+      <p15:sldGuideLst xmlns:p15="http://schemas.microsoft.com/office/powerpoint/2012/main"/>
+    </p:ext>
+  </p:extLst>
 </p:presentation>
+</file>
+
+<file path=ppt/notesMasters/notesMaster1.xml><?xml version="1.0" encoding="utf-8"?>
+<p:notesMaster xmlns:a="http://schemas.openxmlformats.org/drawingml/2006/main" xmlns:r="http://schemas.openxmlformats.org/officeDocument/2006/relationships" xmlns:p="http://schemas.openxmlformats.org/presentationml/2006/main">
+  <p:cSld>
+    <p:bg>
+      <p:bgRef idx="1001">
+        <a:schemeClr val="bg1"/>
+      </p:bgRef>
+    </p:bg>
+    <p:spTree>
+      <p:nvGrpSpPr>
+        <p:cNvPr id="1" name=""/>
+        <p:cNvGrpSpPr/>
+        <p:nvPr/>
+      </p:nvGrpSpPr>
+      <p:grpSpPr>
+        <a:xfrm>
+          <a:off x="0" y="0"/>
+          <a:ext cx="0" cy="0"/>
+          <a:chOff x="0" y="0"/>
+          <a:chExt cx="0" cy="0"/>
+        </a:xfrm>
+      </p:grpSpPr>
+      <p:sp>
+        <p:nvSpPr>
+          <p:cNvPr id="2" name="Header Placeholder 1"/>
+          <p:cNvSpPr>
+            <a:spLocks noGrp="1"/>
+          </p:cNvSpPr>
+          <p:nvPr>
+            <p:ph type="hdr" sz="quarter"/>
+          </p:nvPr>
+        </p:nvSpPr>
+        <p:spPr>
+          <a:xfrm>
+            <a:off x="0" y="0"/>
+            <a:ext cx="2971800" cy="458788"/>
+          </a:xfrm>
+          <a:prstGeom prst="rect">
+            <a:avLst/>
+          </a:prstGeom>
+        </p:spPr>
+        <p:txBody>
+          <a:bodyPr vert="horz" lIns="91440" tIns="45720" rIns="91440" bIns="45720" rtlCol="0"/>
+          <a:lstStyle>
+            <a:lvl1pPr algn="l">
+              <a:defRPr sz="1200"/>
+            </a:lvl1pPr>
+          </a:lstStyle>
+          <a:p>
+            <a:endParaRPr lang="en-US"/>
+          </a:p>
+        </p:txBody>
+      </p:sp>
+      <p:sp>
+        <p:nvSpPr>
+          <p:cNvPr id="3" name="Date Placeholder 2"/>
+          <p:cNvSpPr>
+            <a:spLocks noGrp="1"/>
+          </p:cNvSpPr>
+          <p:nvPr>
+            <p:ph type="dt" idx="1"/>
+          </p:nvPr>
+        </p:nvSpPr>
+        <p:spPr>
+          <a:xfrm>
+            <a:off x="3884613" y="0"/>
+            <a:ext cx="2971800" cy="458788"/>
+          </a:xfrm>
+          <a:prstGeom prst="rect">
+            <a:avLst/>
+          </a:prstGeom>
+        </p:spPr>
+        <p:txBody>
+          <a:bodyPr vert="horz" lIns="91440" tIns="45720" rIns="91440" bIns="45720" rtlCol="0"/>
+          <a:lstStyle>
+            <a:lvl1pPr algn="r">
+              <a:defRPr sz="1200"/>
+            </a:lvl1pPr>
+          </a:lstStyle>
+          <a:p>
+            <a:fld id="{4299902A-6DB3-4A13-9B91-BEABFDA2FC16}" type="datetimeFigureOut">
+              <a:rPr lang="en-US" smtClean="0"/>
+              <a:t>8/2/2022</a:t>
+            </a:fld>
+            <a:endParaRPr lang="en-US"/>
+          </a:p>
+        </p:txBody>
+      </p:sp>
+      <p:sp>
+        <p:nvSpPr>
+          <p:cNvPr id="4" name="Slide Image Placeholder 3"/>
+          <p:cNvSpPr>
+            <a:spLocks noGrp="1" noRot="1" noChangeAspect="1"/>
+          </p:cNvSpPr>
+          <p:nvPr>
+            <p:ph type="sldImg" idx="2"/>
+          </p:nvPr>
+        </p:nvSpPr>
+        <p:spPr>
+          <a:xfrm>
+            <a:off x="685800" y="1143000"/>
+            <a:ext cx="5486400" cy="3086100"/>
+          </a:xfrm>
+          <a:prstGeom prst="rect">
+            <a:avLst/>
+          </a:prstGeom>
+          <a:noFill/>
+          <a:ln w="12700">
+            <a:solidFill>
+              <a:prstClr val="black"/>
+            </a:solidFill>
+          </a:ln>
+        </p:spPr>
+        <p:txBody>
+          <a:bodyPr vert="horz" lIns="91440" tIns="45720" rIns="91440" bIns="45720" rtlCol="0" anchor="ctr"/>
+          <a:lstStyle/>
+          <a:p>
+            <a:endParaRPr lang="en-US"/>
+          </a:p>
+        </p:txBody>
+      </p:sp>
+      <p:sp>
+        <p:nvSpPr>
+          <p:cNvPr id="5" name="Notes Placeholder 4"/>
+          <p:cNvSpPr>
+            <a:spLocks noGrp="1"/>
+          </p:cNvSpPr>
+          <p:nvPr>
+            <p:ph type="body" sz="quarter" idx="3"/>
+          </p:nvPr>
+        </p:nvSpPr>
+        <p:spPr>
+          <a:xfrm>
+            <a:off x="685800" y="4400550"/>
+            <a:ext cx="5486400" cy="3600450"/>
+          </a:xfrm>
+          <a:prstGeom prst="rect">
+            <a:avLst/>
+          </a:prstGeom>
+        </p:spPr>
+        <p:txBody>
+          <a:bodyPr vert="horz" lIns="91440" tIns="45720" rIns="91440" bIns="45720" rtlCol="0"/>
+          <a:lstStyle/>
+          <a:p>
+            <a:pPr lvl="0"/>
+            <a:r>
+              <a:rPr lang="en-US"/>
+              <a:t>Click to edit Master text styles</a:t>
+            </a:r>
+          </a:p>
+          <a:p>
+            <a:pPr lvl="1"/>
+            <a:r>
+              <a:rPr lang="en-US"/>
+              <a:t>Second level</a:t>
+            </a:r>
+          </a:p>
+          <a:p>
+            <a:pPr lvl="2"/>
+            <a:r>
+              <a:rPr lang="en-US"/>
+              <a:t>Third level</a:t>
+            </a:r>
+          </a:p>
+          <a:p>
+            <a:pPr lvl="3"/>
+            <a:r>
+              <a:rPr lang="en-US"/>
+              <a:t>Fourth level</a:t>
+            </a:r>
+          </a:p>
+          <a:p>
+            <a:pPr lvl="4"/>
+            <a:r>
+              <a:rPr lang="en-US"/>
+              <a:t>Fifth level</a:t>
+            </a:r>
+          </a:p>
+        </p:txBody>
+      </p:sp>
+      <p:sp>
+        <p:nvSpPr>
+          <p:cNvPr id="6" name="Footer Placeholder 5"/>
+          <p:cNvSpPr>
+            <a:spLocks noGrp="1"/>
+          </p:cNvSpPr>
+          <p:nvPr>
+            <p:ph type="ftr" sz="quarter" idx="4"/>
+          </p:nvPr>
+        </p:nvSpPr>
+        <p:spPr>
+          <a:xfrm>
+            <a:off x="0" y="8685213"/>
+            <a:ext cx="2971800" cy="458787"/>
+          </a:xfrm>
+          <a:prstGeom prst="rect">
+            <a:avLst/>
+          </a:prstGeom>
+        </p:spPr>
+        <p:txBody>
+          <a:bodyPr vert="horz" lIns="91440" tIns="45720" rIns="91440" bIns="45720" rtlCol="0" anchor="b"/>
+          <a:lstStyle>
+            <a:lvl1pPr algn="l">
+              <a:defRPr sz="1200"/>
+            </a:lvl1pPr>
+          </a:lstStyle>
+          <a:p>
+            <a:endParaRPr lang="en-US"/>
+          </a:p>
+        </p:txBody>
+      </p:sp>
+      <p:sp>
+        <p:nvSpPr>
+          <p:cNvPr id="7" name="Slide Number Placeholder 6"/>
+          <p:cNvSpPr>
+            <a:spLocks noGrp="1"/>
+          </p:cNvSpPr>
+          <p:nvPr>
+            <p:ph type="sldNum" sz="quarter" idx="5"/>
+          </p:nvPr>
+        </p:nvSpPr>
+        <p:spPr>
+          <a:xfrm>
+            <a:off x="3884613" y="8685213"/>
+            <a:ext cx="2971800" cy="458787"/>
+          </a:xfrm>
+          <a:prstGeom prst="rect">
+            <a:avLst/>
+          </a:prstGeom>
+        </p:spPr>
+        <p:txBody>
+          <a:bodyPr vert="horz" lIns="91440" tIns="45720" rIns="91440" bIns="45720" rtlCol="0" anchor="b"/>
+          <a:lstStyle>
+            <a:lvl1pPr algn="r">
+              <a:defRPr sz="1200"/>
+            </a:lvl1pPr>
+          </a:lstStyle>
+          <a:p>
+            <a:fld id="{24C596C9-87D6-4397-8274-514E510AA383}" type="slidenum">
+              <a:rPr lang="en-US" smtClean="0"/>
+              <a:t>‹#›</a:t>
+            </a:fld>
+            <a:endParaRPr lang="en-US"/>
+          </a:p>
+        </p:txBody>
+      </p:sp>
+    </p:spTree>
+    <p:extLst>
+      <p:ext uri="{BB962C8B-B14F-4D97-AF65-F5344CB8AC3E}">
+        <p14:creationId xmlns:p14="http://schemas.microsoft.com/office/powerpoint/2010/main" val="3907244705"/>
+      </p:ext>
+    </p:extLst>
+  </p:cSld>
+  <p:clrMap bg1="lt1" tx1="dk1" bg2="lt2" tx2="dk2" accent1="accent1" accent2="accent2" accent3="accent3" accent4="accent4" accent5="accent5" accent6="accent6" hlink="hlink" folHlink="folHlink"/>
+  <p:notesStyle>
+    <a:lvl1pPr marL="0" algn="l" defTabSz="914400" rtl="0" eaLnBrk="1" latinLnBrk="0" hangingPunct="1">
+      <a:defRPr sz="1200" kern="1200">
+        <a:solidFill>
+          <a:schemeClr val="tx1"/>
+        </a:solidFill>
+        <a:latin typeface="+mn-lt"/>
+        <a:ea typeface="+mn-ea"/>
+        <a:cs typeface="+mn-cs"/>
+      </a:defRPr>
+    </a:lvl1pPr>
+    <a:lvl2pPr marL="457200" algn="l" defTabSz="914400" rtl="0" eaLnBrk="1" latinLnBrk="0" hangingPunct="1">
+      <a:defRPr sz="1200" kern="1200">
+        <a:solidFill>
+          <a:schemeClr val="tx1"/>
+        </a:solidFill>
+        <a:latin typeface="+mn-lt"/>
+        <a:ea typeface="+mn-ea"/>
+        <a:cs typeface="+mn-cs"/>
+      </a:defRPr>
+    </a:lvl2pPr>
+    <a:lvl3pPr marL="914400" algn="l" defTabSz="914400" rtl="0" eaLnBrk="1" latinLnBrk="0" hangingPunct="1">
+      <a:defRPr sz="1200" kern="1200">
+        <a:solidFill>
+          <a:schemeClr val="tx1"/>
+        </a:solidFill>
+        <a:latin typeface="+mn-lt"/>
+        <a:ea typeface="+mn-ea"/>
+        <a:cs typeface="+mn-cs"/>
+      </a:defRPr>
+    </a:lvl3pPr>
+    <a:lvl4pPr marL="1371600" algn="l" defTabSz="914400" rtl="0" eaLnBrk="1" latinLnBrk="0" hangingPunct="1">
+      <a:defRPr sz="1200" kern="1200">
+        <a:solidFill>
+          <a:schemeClr val="tx1"/>
+        </a:solidFill>
+        <a:latin typeface="+mn-lt"/>
+        <a:ea typeface="+mn-ea"/>
+        <a:cs typeface="+mn-cs"/>
+      </a:defRPr>
+    </a:lvl4pPr>
+    <a:lvl5pPr marL="1828800" algn="l" defTabSz="914400" rtl="0" eaLnBrk="1" latinLnBrk="0" hangingPunct="1">
+      <a:defRPr sz="1200" kern="1200">
+        <a:solidFill>
+          <a:schemeClr val="tx1"/>
+        </a:solidFill>
+        <a:latin typeface="+mn-lt"/>
+        <a:ea typeface="+mn-ea"/>
+        <a:cs typeface="+mn-cs"/>
+      </a:defRPr>
+    </a:lvl5pPr>
+    <a:lvl6pPr marL="2286000" algn="l" defTabSz="914400" rtl="0" eaLnBrk="1" latinLnBrk="0" hangingPunct="1">
+      <a:defRPr sz="1200" kern="1200">
+        <a:solidFill>
+          <a:schemeClr val="tx1"/>
+        </a:solidFill>
+        <a:latin typeface="+mn-lt"/>
+        <a:ea typeface="+mn-ea"/>
+        <a:cs typeface="+mn-cs"/>
+      </a:defRPr>
+    </a:lvl6pPr>
+    <a:lvl7pPr marL="2743200" algn="l" defTabSz="914400" rtl="0" eaLnBrk="1" latinLnBrk="0" hangingPunct="1">
+      <a:defRPr sz="1200" kern="1200">
+        <a:solidFill>
+          <a:schemeClr val="tx1"/>
+        </a:solidFill>
+        <a:latin typeface="+mn-lt"/>
+        <a:ea typeface="+mn-ea"/>
+        <a:cs typeface="+mn-cs"/>
+      </a:defRPr>
+    </a:lvl7pPr>
+    <a:lvl8pPr marL="3200400" algn="l" defTabSz="914400" rtl="0" eaLnBrk="1" latinLnBrk="0" hangingPunct="1">
+      <a:defRPr sz="1200" kern="1200">
+        <a:solidFill>
+          <a:schemeClr val="tx1"/>
+        </a:solidFill>
+        <a:latin typeface="+mn-lt"/>
+        <a:ea typeface="+mn-ea"/>
+        <a:cs typeface="+mn-cs"/>
+      </a:defRPr>
+    </a:lvl8pPr>
+    <a:lvl9pPr marL="3657600" algn="l" defTabSz="914400" rtl="0" eaLnBrk="1" latinLnBrk="0" hangingPunct="1">
+      <a:defRPr sz="1200" kern="1200">
+        <a:solidFill>
+          <a:schemeClr val="tx1"/>
+        </a:solidFill>
+        <a:latin typeface="+mn-lt"/>
+        <a:ea typeface="+mn-ea"/>
+        <a:cs typeface="+mn-cs"/>
+      </a:defRPr>
+    </a:lvl9pPr>
+  </p:notesStyle>
+</p:notesMaster>
 </file>
 
 <file path=ppt/slideLayouts/slideLayout1.xml><?xml version="1.0" encoding="utf-8"?>
@@ -124,20 +482,86 @@
           <a:chExt cx="0" cy="0"/>
         </a:xfrm>
       </p:grpSpPr>
+      <p:pic>
+        <p:nvPicPr>
+          <p:cNvPr id="7" name="Picture 6">
+            <a:extLst>
+              <a:ext uri="{FF2B5EF4-FFF2-40B4-BE49-F238E27FC236}">
+                <a16:creationId xmlns:a16="http://schemas.microsoft.com/office/drawing/2014/main" id="{11433E94-83B5-4B26-8916-D4EF4B3AA851}"/>
+              </a:ext>
+            </a:extLst>
+          </p:cNvPr>
+          <p:cNvPicPr>
+            <a:picLocks noChangeAspect="1"/>
+          </p:cNvPicPr>
+          <p:nvPr userDrawn="1"/>
+        </p:nvPicPr>
+        <p:blipFill>
+          <a:blip r:embed="rId2">
+            <a:extLst>
+              <a:ext uri="{28A0092B-C50C-407E-A947-70E740481C1C}">
+                <a14:useLocalDpi xmlns:a14="http://schemas.microsoft.com/office/drawing/2010/main" val="0"/>
+              </a:ext>
+            </a:extLst>
+          </a:blip>
+          <a:stretch>
+            <a:fillRect/>
+          </a:stretch>
+        </p:blipFill>
+        <p:spPr>
+          <a:xfrm>
+            <a:off x="0" y="0"/>
+            <a:ext cx="12192000" cy="6858000"/>
+          </a:xfrm>
+          <a:prstGeom prst="rect">
+            <a:avLst/>
+          </a:prstGeom>
+        </p:spPr>
+      </p:pic>
+      <p:pic>
+        <p:nvPicPr>
+          <p:cNvPr id="10" name="Picture 9">
+            <a:extLst>
+              <a:ext uri="{FF2B5EF4-FFF2-40B4-BE49-F238E27FC236}">
+                <a16:creationId xmlns:a16="http://schemas.microsoft.com/office/drawing/2014/main" id="{69FF4863-5167-4CCE-8057-1DE15AD8B7DB}"/>
+              </a:ext>
+            </a:extLst>
+          </p:cNvPr>
+          <p:cNvPicPr>
+            <a:picLocks noChangeAspect="1"/>
+          </p:cNvPicPr>
+          <p:nvPr userDrawn="1"/>
+        </p:nvPicPr>
+        <p:blipFill>
+          <a:blip r:embed="rId3"/>
+          <a:stretch>
+            <a:fillRect/>
+          </a:stretch>
+        </p:blipFill>
+        <p:spPr>
+          <a:xfrm>
+            <a:off x="0" y="5598553"/>
+            <a:ext cx="12192000" cy="1330073"/>
+          </a:xfrm>
+          <a:prstGeom prst="rect">
+            <a:avLst/>
+          </a:prstGeom>
+        </p:spPr>
+      </p:pic>
       <p:sp>
         <p:nvSpPr>
           <p:cNvPr id="2" name="Title 1">
             <a:extLst>
               <a:ext uri="{FF2B5EF4-FFF2-40B4-BE49-F238E27FC236}">
-                <a16:creationId xmlns:a16="http://schemas.microsoft.com/office/drawing/2014/main" id="{64C5CFB4-8F46-7A24-F14A-3D0D6A4A7E6A}"/>
-              </a:ext>
-            </a:extLst>
-          </p:cNvPr>
-          <p:cNvSpPr>
-            <a:spLocks noGrp="1"/>
-          </p:cNvSpPr>
-          <p:nvPr>
-            <p:ph type="ctrTitle"/>
+                <a16:creationId xmlns:a16="http://schemas.microsoft.com/office/drawing/2014/main" id="{91B5CDF3-DED2-4E40-A825-D5E9AA5A72F1}"/>
+              </a:ext>
+            </a:extLst>
+          </p:cNvPr>
+          <p:cNvSpPr>
+            <a:spLocks noGrp="1"/>
+          </p:cNvSpPr>
+          <p:nvPr>
+            <p:ph type="ctrTitle" hasCustomPrompt="1"/>
           </p:nvPr>
         </p:nvSpPr>
         <p:spPr>
@@ -147,16 +571,25 @@
           </a:xfrm>
         </p:spPr>
         <p:txBody>
-          <a:bodyPr anchor="b"/>
+          <a:bodyPr anchor="b">
+            <a:normAutofit/>
+          </a:bodyPr>
           <a:lstStyle>
             <a:lvl1pPr algn="ctr">
-              <a:defRPr sz="6000"/>
+              <a:defRPr sz="4800" b="1">
+                <a:solidFill>
+                  <a:schemeClr val="bg1"/>
+                </a:solidFill>
+                <a:latin typeface="Lucida grande" panose="020B0502040204020203" pitchFamily="2" charset="0"/>
+                <a:ea typeface="Lucida grande" panose="020B0502040204020203" pitchFamily="2" charset="0"/>
+                <a:cs typeface="Lucida grande" panose="020B0502040204020203" pitchFamily="2" charset="0"/>
+              </a:defRPr>
             </a:lvl1pPr>
           </a:lstStyle>
           <a:p>
             <a:r>
-              <a:rPr lang="en-US"/>
-              <a:t>Click to edit Master title style</a:t>
+              <a:rPr lang="en-US" dirty="0"/>
+              <a:t>Title</a:t>
             </a:r>
           </a:p>
         </p:txBody>
@@ -166,15 +599,15 @@
           <p:cNvPr id="3" name="Subtitle 2">
             <a:extLst>
               <a:ext uri="{FF2B5EF4-FFF2-40B4-BE49-F238E27FC236}">
-                <a16:creationId xmlns:a16="http://schemas.microsoft.com/office/drawing/2014/main" id="{E11E5912-C03F-11D9-B378-B3D23A5DDAFF}"/>
-              </a:ext>
-            </a:extLst>
-          </p:cNvPr>
-          <p:cNvSpPr>
-            <a:spLocks noGrp="1"/>
-          </p:cNvSpPr>
-          <p:nvPr>
-            <p:ph type="subTitle" idx="1"/>
+                <a16:creationId xmlns:a16="http://schemas.microsoft.com/office/drawing/2014/main" id="{FC37DACA-AC21-447C-99BB-3624C96A260D}"/>
+              </a:ext>
+            </a:extLst>
+          </p:cNvPr>
+          <p:cNvSpPr>
+            <a:spLocks noGrp="1"/>
+          </p:cNvSpPr>
+          <p:nvPr>
+            <p:ph type="subTitle" idx="1" hasCustomPrompt="1"/>
           </p:nvPr>
         </p:nvSpPr>
         <p:spPr>
@@ -184,11 +617,18 @@
           </a:xfrm>
         </p:spPr>
         <p:txBody>
-          <a:bodyPr/>
+          <a:bodyPr>
+            <a:normAutofit/>
+          </a:bodyPr>
           <a:lstStyle>
             <a:lvl1pPr marL="0" indent="0" algn="ctr">
               <a:buNone/>
-              <a:defRPr sz="2400"/>
+              <a:defRPr sz="2000">
+                <a:solidFill>
+                  <a:schemeClr val="bg1"/>
+                </a:solidFill>
+                <a:latin typeface="FreightSans Pro Semibold" panose="02000603040000020004" pitchFamily="50" charset="0"/>
+              </a:defRPr>
             </a:lvl1pPr>
             <a:lvl2pPr marL="457200" indent="0" algn="ctr">
               <a:buNone/>
@@ -225,99 +665,125 @@
           </a:lstStyle>
           <a:p>
             <a:r>
-              <a:rPr lang="en-US"/>
-              <a:t>Click to edit Master subtitle style</a:t>
-            </a:r>
-          </a:p>
-        </p:txBody>
-      </p:sp>
-      <p:sp>
-        <p:nvSpPr>
-          <p:cNvPr id="4" name="Date Placeholder 3">
-            <a:extLst>
-              <a:ext uri="{FF2B5EF4-FFF2-40B4-BE49-F238E27FC236}">
-                <a16:creationId xmlns:a16="http://schemas.microsoft.com/office/drawing/2014/main" id="{AD6FB15F-7E50-EA9A-0257-83AF7E32CB33}"/>
-              </a:ext>
-            </a:extLst>
-          </p:cNvPr>
-          <p:cNvSpPr>
-            <a:spLocks noGrp="1"/>
-          </p:cNvSpPr>
-          <p:nvPr>
-            <p:ph type="dt" sz="half" idx="10"/>
+              <a:rPr lang="en-US" dirty="0"/>
+              <a:t>Subtitle</a:t>
+            </a:r>
+          </a:p>
+        </p:txBody>
+      </p:sp>
+      <p:sp>
+        <p:nvSpPr>
+          <p:cNvPr id="5" name="Footer Placeholder 4">
+            <a:extLst>
+              <a:ext uri="{FF2B5EF4-FFF2-40B4-BE49-F238E27FC236}">
+                <a16:creationId xmlns:a16="http://schemas.microsoft.com/office/drawing/2014/main" id="{B8CD9191-6DA1-4AEB-AE9C-C0EF7BE6078A}"/>
+              </a:ext>
+            </a:extLst>
+          </p:cNvPr>
+          <p:cNvSpPr>
+            <a:spLocks noGrp="1"/>
+          </p:cNvSpPr>
+          <p:nvPr>
+            <p:ph type="ftr" sz="quarter" idx="11"/>
           </p:nvPr>
         </p:nvSpPr>
         <p:spPr/>
         <p:txBody>
           <a:bodyPr/>
-          <a:lstStyle/>
-          <a:p>
-            <a:fld id="{36ECAE85-DFE9-49C6-B093-25B8258B6F44}" type="datetimeFigureOut">
+          <a:lstStyle>
+            <a:lvl1pPr>
+              <a:defRPr>
+                <a:solidFill>
+                  <a:schemeClr val="bg1"/>
+                </a:solidFill>
+                <a:latin typeface="FreightSans Pro Semibold" panose="02000603040000020004" pitchFamily="50" charset="0"/>
+              </a:defRPr>
+            </a:lvl1pPr>
+          </a:lstStyle>
+          <a:p>
+            <a:endParaRPr lang="en-US" dirty="0"/>
+          </a:p>
+        </p:txBody>
+      </p:sp>
+      <p:sp>
+        <p:nvSpPr>
+          <p:cNvPr id="6" name="Slide Number Placeholder 5">
+            <a:extLst>
+              <a:ext uri="{FF2B5EF4-FFF2-40B4-BE49-F238E27FC236}">
+                <a16:creationId xmlns:a16="http://schemas.microsoft.com/office/drawing/2014/main" id="{F494D7FE-1DA8-4DDC-868E-9C63CED48309}"/>
+              </a:ext>
+            </a:extLst>
+          </p:cNvPr>
+          <p:cNvSpPr>
+            <a:spLocks noGrp="1"/>
+          </p:cNvSpPr>
+          <p:nvPr>
+            <p:ph type="sldNum" sz="quarter" idx="12"/>
+          </p:nvPr>
+        </p:nvSpPr>
+        <p:spPr/>
+        <p:txBody>
+          <a:bodyPr/>
+          <a:lstStyle>
+            <a:lvl1pPr>
+              <a:defRPr>
+                <a:solidFill>
+                  <a:schemeClr val="bg1"/>
+                </a:solidFill>
+                <a:latin typeface="FreightSans Pro Semibold" panose="02000603040000020004" pitchFamily="50" charset="0"/>
+              </a:defRPr>
+            </a:lvl1pPr>
+          </a:lstStyle>
+          <a:p>
+            <a:fld id="{5911C0E6-D9CE-431C-92CB-BB39B872F930}" type="slidenum">
               <a:rPr lang="en-US" smtClean="0"/>
-              <a:t>8/2/2022</a:t>
-            </a:fld>
-            <a:endParaRPr lang="en-US"/>
-          </a:p>
-        </p:txBody>
-      </p:sp>
-      <p:sp>
-        <p:nvSpPr>
-          <p:cNvPr id="5" name="Footer Placeholder 4">
-            <a:extLst>
-              <a:ext uri="{FF2B5EF4-FFF2-40B4-BE49-F238E27FC236}">
-                <a16:creationId xmlns:a16="http://schemas.microsoft.com/office/drawing/2014/main" id="{06E52649-D3A4-BD6B-0F0E-905316FB9B54}"/>
-              </a:ext>
-            </a:extLst>
-          </p:cNvPr>
-          <p:cNvSpPr>
-            <a:spLocks noGrp="1"/>
-          </p:cNvSpPr>
-          <p:nvPr>
-            <p:ph type="ftr" sz="quarter" idx="11"/>
-          </p:nvPr>
-        </p:nvSpPr>
-        <p:spPr/>
-        <p:txBody>
-          <a:bodyPr/>
-          <a:lstStyle/>
-          <a:p>
-            <a:endParaRPr lang="en-US"/>
-          </a:p>
-        </p:txBody>
-      </p:sp>
-      <p:sp>
-        <p:nvSpPr>
-          <p:cNvPr id="6" name="Slide Number Placeholder 5">
-            <a:extLst>
-              <a:ext uri="{FF2B5EF4-FFF2-40B4-BE49-F238E27FC236}">
-                <a16:creationId xmlns:a16="http://schemas.microsoft.com/office/drawing/2014/main" id="{6176A78B-26E9-56D2-E6BF-33D5D388512A}"/>
-              </a:ext>
-            </a:extLst>
-          </p:cNvPr>
-          <p:cNvSpPr>
-            <a:spLocks noGrp="1"/>
-          </p:cNvSpPr>
-          <p:nvPr>
-            <p:ph type="sldNum" sz="quarter" idx="12"/>
-          </p:nvPr>
-        </p:nvSpPr>
-        <p:spPr/>
-        <p:txBody>
-          <a:bodyPr/>
-          <a:lstStyle/>
-          <a:p>
-            <a:fld id="{D3F3AD47-EAC2-464A-A17C-2D5009501DCD}" type="slidenum">
-              <a:rPr lang="en-US" smtClean="0"/>
+              <a:pPr/>
               <a:t>‹#›</a:t>
             </a:fld>
-            <a:endParaRPr lang="en-US"/>
-          </a:p>
-        </p:txBody>
-      </p:sp>
+            <a:endParaRPr lang="en-US" dirty="0"/>
+          </a:p>
+        </p:txBody>
+      </p:sp>
+      <p:pic>
+        <p:nvPicPr>
+          <p:cNvPr id="8" name="Picture 7">
+            <a:extLst>
+              <a:ext uri="{FF2B5EF4-FFF2-40B4-BE49-F238E27FC236}">
+                <a16:creationId xmlns:a16="http://schemas.microsoft.com/office/drawing/2014/main" id="{EAD6CCE9-4BD3-44F2-8C0F-2C11A103BC7D}"/>
+              </a:ext>
+            </a:extLst>
+          </p:cNvPr>
+          <p:cNvPicPr>
+            <a:picLocks noChangeAspect="1"/>
+          </p:cNvPicPr>
+          <p:nvPr userDrawn="1"/>
+        </p:nvPicPr>
+        <p:blipFill>
+          <a:blip r:embed="rId4">
+            <a:extLst>
+              <a:ext uri="{28A0092B-C50C-407E-A947-70E740481C1C}">
+                <a14:useLocalDpi xmlns:a14="http://schemas.microsoft.com/office/drawing/2010/main" val="0"/>
+              </a:ext>
+            </a:extLst>
+          </a:blip>
+          <a:stretch>
+            <a:fillRect/>
+          </a:stretch>
+        </p:blipFill>
+        <p:spPr>
+          <a:xfrm>
+            <a:off x="180411" y="5904225"/>
+            <a:ext cx="2546605" cy="784249"/>
+          </a:xfrm>
+          <a:prstGeom prst="rect">
+            <a:avLst/>
+          </a:prstGeom>
+        </p:spPr>
+      </p:pic>
     </p:spTree>
     <p:extLst>
       <p:ext uri="{BB962C8B-B14F-4D97-AF65-F5344CB8AC3E}">
-        <p14:creationId xmlns:p14="http://schemas.microsoft.com/office/powerpoint/2010/main" val="3770774683"/>
+        <p14:creationId xmlns:p14="http://schemas.microsoft.com/office/powerpoint/2010/main" val="3330957953"/>
       </p:ext>
     </p:extLst>
   </p:cSld>
@@ -349,7 +815,7 @@
           <p:cNvPr id="2" name="Title 1">
             <a:extLst>
               <a:ext uri="{FF2B5EF4-FFF2-40B4-BE49-F238E27FC236}">
-                <a16:creationId xmlns:a16="http://schemas.microsoft.com/office/drawing/2014/main" id="{B0307E4F-CA37-5B8A-66B0-C04E27AB544D}"/>
+                <a16:creationId xmlns:a16="http://schemas.microsoft.com/office/drawing/2014/main" id="{FDC7FE3E-279B-4F94-9B6C-43A7E7B4D7B9}"/>
               </a:ext>
             </a:extLst>
           </p:cNvPr>
@@ -377,7 +843,7 @@
           <p:cNvPr id="3" name="Vertical Text Placeholder 2">
             <a:extLst>
               <a:ext uri="{FF2B5EF4-FFF2-40B4-BE49-F238E27FC236}">
-                <a16:creationId xmlns:a16="http://schemas.microsoft.com/office/drawing/2014/main" id="{910660D7-CE06-3B4B-0167-A7EE8CAC8174}"/>
+                <a16:creationId xmlns:a16="http://schemas.microsoft.com/office/drawing/2014/main" id="{733FF67E-A0D6-4650-94B2-49F76E71DA36}"/>
               </a:ext>
             </a:extLst>
           </p:cNvPr>
@@ -434,7 +900,7 @@
           <p:cNvPr id="4" name="Date Placeholder 3">
             <a:extLst>
               <a:ext uri="{FF2B5EF4-FFF2-40B4-BE49-F238E27FC236}">
-                <a16:creationId xmlns:a16="http://schemas.microsoft.com/office/drawing/2014/main" id="{43CEEDD8-1DBE-FC74-83A5-429D9FFAAE02}"/>
+                <a16:creationId xmlns:a16="http://schemas.microsoft.com/office/drawing/2014/main" id="{A2F969F7-F628-4948-9C6B-D187A8C88CB6}"/>
               </a:ext>
             </a:extLst>
           </p:cNvPr>
@@ -450,10 +916,6 @@
           <a:bodyPr/>
           <a:lstStyle/>
           <a:p>
-            <a:fld id="{36ECAE85-DFE9-49C6-B093-25B8258B6F44}" type="datetimeFigureOut">
-              <a:rPr lang="en-US" smtClean="0"/>
-              <a:t>8/2/2022</a:t>
-            </a:fld>
             <a:endParaRPr lang="en-US"/>
           </a:p>
         </p:txBody>
@@ -463,7 +925,7 @@
           <p:cNvPr id="5" name="Footer Placeholder 4">
             <a:extLst>
               <a:ext uri="{FF2B5EF4-FFF2-40B4-BE49-F238E27FC236}">
-                <a16:creationId xmlns:a16="http://schemas.microsoft.com/office/drawing/2014/main" id="{19466239-DADA-F2CF-4F74-617A4B14C594}"/>
+                <a16:creationId xmlns:a16="http://schemas.microsoft.com/office/drawing/2014/main" id="{296912B5-E4BD-48E9-8095-F1EDD862F0CA}"/>
               </a:ext>
             </a:extLst>
           </p:cNvPr>
@@ -488,7 +950,7 @@
           <p:cNvPr id="6" name="Slide Number Placeholder 5">
             <a:extLst>
               <a:ext uri="{FF2B5EF4-FFF2-40B4-BE49-F238E27FC236}">
-                <a16:creationId xmlns:a16="http://schemas.microsoft.com/office/drawing/2014/main" id="{D8D2132B-27D0-EDE0-9160-1FFE0BEFE9A4}"/>
+                <a16:creationId xmlns:a16="http://schemas.microsoft.com/office/drawing/2014/main" id="{664301A4-8003-4D8C-8A09-8F142FE65C2A}"/>
               </a:ext>
             </a:extLst>
           </p:cNvPr>
@@ -504,7 +966,7 @@
           <a:bodyPr/>
           <a:lstStyle/>
           <a:p>
-            <a:fld id="{D3F3AD47-EAC2-464A-A17C-2D5009501DCD}" type="slidenum">
+            <a:fld id="{5911C0E6-D9CE-431C-92CB-BB39B872F930}" type="slidenum">
               <a:rPr lang="en-US" smtClean="0"/>
               <a:t>‹#›</a:t>
             </a:fld>
@@ -515,7 +977,7 @@
     </p:spTree>
     <p:extLst>
       <p:ext uri="{BB962C8B-B14F-4D97-AF65-F5344CB8AC3E}">
-        <p14:creationId xmlns:p14="http://schemas.microsoft.com/office/powerpoint/2010/main" val="2359859103"/>
+        <p14:creationId xmlns:p14="http://schemas.microsoft.com/office/powerpoint/2010/main" val="4236959394"/>
       </p:ext>
     </p:extLst>
   </p:cSld>
@@ -547,7 +1009,7 @@
           <p:cNvPr id="2" name="Vertical Title 1">
             <a:extLst>
               <a:ext uri="{FF2B5EF4-FFF2-40B4-BE49-F238E27FC236}">
-                <a16:creationId xmlns:a16="http://schemas.microsoft.com/office/drawing/2014/main" id="{6D3BBDC0-8A02-37F3-FC62-5BA1E077A311}"/>
+                <a16:creationId xmlns:a16="http://schemas.microsoft.com/office/drawing/2014/main" id="{066926A2-C9B6-4E02-91E5-B95F5CAD1DFC}"/>
               </a:ext>
             </a:extLst>
           </p:cNvPr>
@@ -580,7 +1042,7 @@
           <p:cNvPr id="3" name="Vertical Text Placeholder 2">
             <a:extLst>
               <a:ext uri="{FF2B5EF4-FFF2-40B4-BE49-F238E27FC236}">
-                <a16:creationId xmlns:a16="http://schemas.microsoft.com/office/drawing/2014/main" id="{BA66FD01-D985-C080-5281-592EC4DD7FC8}"/>
+                <a16:creationId xmlns:a16="http://schemas.microsoft.com/office/drawing/2014/main" id="{DB341540-0DC2-40CC-9A9E-483A77A7E175}"/>
               </a:ext>
             </a:extLst>
           </p:cNvPr>
@@ -642,7 +1104,7 @@
           <p:cNvPr id="4" name="Date Placeholder 3">
             <a:extLst>
               <a:ext uri="{FF2B5EF4-FFF2-40B4-BE49-F238E27FC236}">
-                <a16:creationId xmlns:a16="http://schemas.microsoft.com/office/drawing/2014/main" id="{93595C19-02AD-5C86-4AF5-F8A6A7A2B748}"/>
+                <a16:creationId xmlns:a16="http://schemas.microsoft.com/office/drawing/2014/main" id="{3F92CD48-D633-4C43-90AE-0B62A13EA12D}"/>
               </a:ext>
             </a:extLst>
           </p:cNvPr>
@@ -658,10 +1120,6 @@
           <a:bodyPr/>
           <a:lstStyle/>
           <a:p>
-            <a:fld id="{36ECAE85-DFE9-49C6-B093-25B8258B6F44}" type="datetimeFigureOut">
-              <a:rPr lang="en-US" smtClean="0"/>
-              <a:t>8/2/2022</a:t>
-            </a:fld>
             <a:endParaRPr lang="en-US"/>
           </a:p>
         </p:txBody>
@@ -671,7 +1129,7 @@
           <p:cNvPr id="5" name="Footer Placeholder 4">
             <a:extLst>
               <a:ext uri="{FF2B5EF4-FFF2-40B4-BE49-F238E27FC236}">
-                <a16:creationId xmlns:a16="http://schemas.microsoft.com/office/drawing/2014/main" id="{D763E844-3C4C-ECD9-1534-B760A84E6F0F}"/>
+                <a16:creationId xmlns:a16="http://schemas.microsoft.com/office/drawing/2014/main" id="{72F14EAC-B30D-4677-BA8E-2870B5699DCA}"/>
               </a:ext>
             </a:extLst>
           </p:cNvPr>
@@ -696,7 +1154,7 @@
           <p:cNvPr id="6" name="Slide Number Placeholder 5">
             <a:extLst>
               <a:ext uri="{FF2B5EF4-FFF2-40B4-BE49-F238E27FC236}">
-                <a16:creationId xmlns:a16="http://schemas.microsoft.com/office/drawing/2014/main" id="{22EDAFD5-E445-46EA-1043-5F9DDB1CFD9D}"/>
+                <a16:creationId xmlns:a16="http://schemas.microsoft.com/office/drawing/2014/main" id="{CA3CD924-51D3-4D42-BA25-10269C6EF8CB}"/>
               </a:ext>
             </a:extLst>
           </p:cNvPr>
@@ -712,7 +1170,7 @@
           <a:bodyPr/>
           <a:lstStyle/>
           <a:p>
-            <a:fld id="{D3F3AD47-EAC2-464A-A17C-2D5009501DCD}" type="slidenum">
+            <a:fld id="{5911C0E6-D9CE-431C-92CB-BB39B872F930}" type="slidenum">
               <a:rPr lang="en-US" smtClean="0"/>
               <a:t>‹#›</a:t>
             </a:fld>
@@ -723,7 +1181,7 @@
     </p:spTree>
     <p:extLst>
       <p:ext uri="{BB962C8B-B14F-4D97-AF65-F5344CB8AC3E}">
-        <p14:creationId xmlns:p14="http://schemas.microsoft.com/office/powerpoint/2010/main" val="28197884"/>
+        <p14:creationId xmlns:p14="http://schemas.microsoft.com/office/powerpoint/2010/main" val="3956969722"/>
       </p:ext>
     </p:extLst>
   </p:cSld>
@@ -755,7 +1213,7 @@
           <p:cNvPr id="2" name="Title 1">
             <a:extLst>
               <a:ext uri="{FF2B5EF4-FFF2-40B4-BE49-F238E27FC236}">
-                <a16:creationId xmlns:a16="http://schemas.microsoft.com/office/drawing/2014/main" id="{7929580D-0847-81EA-417C-C45D68030BB3}"/>
+                <a16:creationId xmlns:a16="http://schemas.microsoft.com/office/drawing/2014/main" id="{02A6BC0C-4C88-4816-98A5-9965E6D2DE09}"/>
               </a:ext>
             </a:extLst>
           </p:cNvPr>
@@ -772,7 +1230,7 @@
           <a:lstStyle/>
           <a:p>
             <a:r>
-              <a:rPr lang="en-US"/>
+              <a:rPr lang="en-US" dirty="0"/>
               <a:t>Click to edit Master title style</a:t>
             </a:r>
           </a:p>
@@ -783,7 +1241,7 @@
           <p:cNvPr id="3" name="Content Placeholder 2">
             <a:extLst>
               <a:ext uri="{FF2B5EF4-FFF2-40B4-BE49-F238E27FC236}">
-                <a16:creationId xmlns:a16="http://schemas.microsoft.com/office/drawing/2014/main" id="{39DDBE74-77B6-9C36-1D31-B2348B347BFA}"/>
+                <a16:creationId xmlns:a16="http://schemas.microsoft.com/office/drawing/2014/main" id="{F8A277D8-D6DB-42E5-9431-EA9B5ED5D7DB}"/>
               </a:ext>
             </a:extLst>
           </p:cNvPr>
@@ -794,61 +1252,122 @@
             <p:ph idx="1"/>
           </p:nvPr>
         </p:nvSpPr>
+        <p:spPr>
+          <a:xfrm>
+            <a:off x="838200" y="1081157"/>
+            <a:ext cx="10515600" cy="5109249"/>
+          </a:xfrm>
+        </p:spPr>
+        <p:txBody>
+          <a:bodyPr/>
+          <a:lstStyle>
+            <a:lvl1pPr>
+              <a:lnSpc>
+                <a:spcPct val="150000"/>
+              </a:lnSpc>
+              <a:defRPr/>
+            </a:lvl1pPr>
+            <a:lvl2pPr>
+              <a:lnSpc>
+                <a:spcPct val="150000"/>
+              </a:lnSpc>
+              <a:defRPr/>
+            </a:lvl2pPr>
+            <a:lvl3pPr>
+              <a:lnSpc>
+                <a:spcPct val="150000"/>
+              </a:lnSpc>
+              <a:defRPr/>
+            </a:lvl3pPr>
+            <a:lvl4pPr>
+              <a:lnSpc>
+                <a:spcPct val="150000"/>
+              </a:lnSpc>
+              <a:defRPr/>
+            </a:lvl4pPr>
+            <a:lvl5pPr>
+              <a:lnSpc>
+                <a:spcPct val="150000"/>
+              </a:lnSpc>
+              <a:defRPr/>
+            </a:lvl5pPr>
+          </a:lstStyle>
+          <a:p>
+            <a:pPr lvl="0"/>
+            <a:r>
+              <a:rPr lang="en-US" dirty="0"/>
+              <a:t>Click to edit Master text styles</a:t>
+            </a:r>
+          </a:p>
+          <a:p>
+            <a:pPr lvl="1"/>
+            <a:r>
+              <a:rPr lang="en-US" dirty="0"/>
+              <a:t>Second level</a:t>
+            </a:r>
+          </a:p>
+          <a:p>
+            <a:pPr lvl="2"/>
+            <a:r>
+              <a:rPr lang="en-US" dirty="0"/>
+              <a:t>Third level</a:t>
+            </a:r>
+          </a:p>
+          <a:p>
+            <a:pPr lvl="3"/>
+            <a:r>
+              <a:rPr lang="en-US" dirty="0"/>
+              <a:t>Fourth level</a:t>
+            </a:r>
+          </a:p>
+          <a:p>
+            <a:pPr lvl="4"/>
+            <a:r>
+              <a:rPr lang="en-US" dirty="0"/>
+              <a:t>Fifth level</a:t>
+            </a:r>
+          </a:p>
+        </p:txBody>
+      </p:sp>
+      <p:sp>
+        <p:nvSpPr>
+          <p:cNvPr id="4" name="Date Placeholder 3">
+            <a:extLst>
+              <a:ext uri="{FF2B5EF4-FFF2-40B4-BE49-F238E27FC236}">
+                <a16:creationId xmlns:a16="http://schemas.microsoft.com/office/drawing/2014/main" id="{447D949B-00AD-4429-A88D-B1F88EE382E0}"/>
+              </a:ext>
+            </a:extLst>
+          </p:cNvPr>
+          <p:cNvSpPr>
+            <a:spLocks noGrp="1"/>
+          </p:cNvSpPr>
+          <p:nvPr>
+            <p:ph type="dt" sz="half" idx="10"/>
+          </p:nvPr>
+        </p:nvSpPr>
         <p:spPr/>
         <p:txBody>
           <a:bodyPr/>
           <a:lstStyle/>
           <a:p>
-            <a:pPr lvl="0"/>
-            <a:r>
-              <a:rPr lang="en-US"/>
-              <a:t>Click to edit Master text styles</a:t>
-            </a:r>
-          </a:p>
-          <a:p>
-            <a:pPr lvl="1"/>
-            <a:r>
-              <a:rPr lang="en-US"/>
-              <a:t>Second level</a:t>
-            </a:r>
-          </a:p>
-          <a:p>
-            <a:pPr lvl="2"/>
-            <a:r>
-              <a:rPr lang="en-US"/>
-              <a:t>Third level</a:t>
-            </a:r>
-          </a:p>
-          <a:p>
-            <a:pPr lvl="3"/>
-            <a:r>
-              <a:rPr lang="en-US"/>
-              <a:t>Fourth level</a:t>
-            </a:r>
-          </a:p>
-          <a:p>
-            <a:pPr lvl="4"/>
-            <a:r>
-              <a:rPr lang="en-US"/>
-              <a:t>Fifth level</a:t>
-            </a:r>
-          </a:p>
-        </p:txBody>
-      </p:sp>
-      <p:sp>
-        <p:nvSpPr>
-          <p:cNvPr id="4" name="Date Placeholder 3">
-            <a:extLst>
-              <a:ext uri="{FF2B5EF4-FFF2-40B4-BE49-F238E27FC236}">
-                <a16:creationId xmlns:a16="http://schemas.microsoft.com/office/drawing/2014/main" id="{AFCBBCB8-E4A6-3492-F2BC-742FA59E56F5}"/>
-              </a:ext>
-            </a:extLst>
-          </p:cNvPr>
-          <p:cNvSpPr>
-            <a:spLocks noGrp="1"/>
-          </p:cNvSpPr>
-          <p:nvPr>
-            <p:ph type="dt" sz="half" idx="10"/>
+            <a:endParaRPr lang="en-US"/>
+          </a:p>
+        </p:txBody>
+      </p:sp>
+      <p:sp>
+        <p:nvSpPr>
+          <p:cNvPr id="5" name="Footer Placeholder 4">
+            <a:extLst>
+              <a:ext uri="{FF2B5EF4-FFF2-40B4-BE49-F238E27FC236}">
+                <a16:creationId xmlns:a16="http://schemas.microsoft.com/office/drawing/2014/main" id="{09B172DE-BF81-4211-ADEE-8D6BA4F0339F}"/>
+              </a:ext>
+            </a:extLst>
+          </p:cNvPr>
+          <p:cNvSpPr>
+            <a:spLocks noGrp="1"/>
+          </p:cNvSpPr>
+          <p:nvPr>
+            <p:ph type="ftr" sz="quarter" idx="11"/>
           </p:nvPr>
         </p:nvSpPr>
         <p:spPr/>
@@ -856,28 +1375,24 @@
           <a:bodyPr/>
           <a:lstStyle/>
           <a:p>
-            <a:fld id="{36ECAE85-DFE9-49C6-B093-25B8258B6F44}" type="datetimeFigureOut">
-              <a:rPr lang="en-US" smtClean="0"/>
-              <a:t>8/2/2022</a:t>
-            </a:fld>
             <a:endParaRPr lang="en-US"/>
           </a:p>
         </p:txBody>
       </p:sp>
       <p:sp>
         <p:nvSpPr>
-          <p:cNvPr id="5" name="Footer Placeholder 4">
-            <a:extLst>
-              <a:ext uri="{FF2B5EF4-FFF2-40B4-BE49-F238E27FC236}">
-                <a16:creationId xmlns:a16="http://schemas.microsoft.com/office/drawing/2014/main" id="{B3404A45-0975-0DBC-37EA-8AA611AB496A}"/>
-              </a:ext>
-            </a:extLst>
-          </p:cNvPr>
-          <p:cNvSpPr>
-            <a:spLocks noGrp="1"/>
-          </p:cNvSpPr>
-          <p:nvPr>
-            <p:ph type="ftr" sz="quarter" idx="11"/>
+          <p:cNvPr id="6" name="Slide Number Placeholder 5">
+            <a:extLst>
+              <a:ext uri="{FF2B5EF4-FFF2-40B4-BE49-F238E27FC236}">
+                <a16:creationId xmlns:a16="http://schemas.microsoft.com/office/drawing/2014/main" id="{4D9E037F-8C6A-463A-AD34-230496315131}"/>
+              </a:ext>
+            </a:extLst>
+          </p:cNvPr>
+          <p:cNvSpPr>
+            <a:spLocks noGrp="1"/>
+          </p:cNvSpPr>
+          <p:nvPr>
+            <p:ph type="sldNum" sz="quarter" idx="12"/>
           </p:nvPr>
         </p:nvSpPr>
         <p:spPr/>
@@ -885,32 +1400,7 @@
           <a:bodyPr/>
           <a:lstStyle/>
           <a:p>
-            <a:endParaRPr lang="en-US"/>
-          </a:p>
-        </p:txBody>
-      </p:sp>
-      <p:sp>
-        <p:nvSpPr>
-          <p:cNvPr id="6" name="Slide Number Placeholder 5">
-            <a:extLst>
-              <a:ext uri="{FF2B5EF4-FFF2-40B4-BE49-F238E27FC236}">
-                <a16:creationId xmlns:a16="http://schemas.microsoft.com/office/drawing/2014/main" id="{58B1C51D-344A-EBF2-0E7F-E750ACA584C8}"/>
-              </a:ext>
-            </a:extLst>
-          </p:cNvPr>
-          <p:cNvSpPr>
-            <a:spLocks noGrp="1"/>
-          </p:cNvSpPr>
-          <p:nvPr>
-            <p:ph type="sldNum" sz="quarter" idx="12"/>
-          </p:nvPr>
-        </p:nvSpPr>
-        <p:spPr/>
-        <p:txBody>
-          <a:bodyPr/>
-          <a:lstStyle/>
-          <a:p>
-            <a:fld id="{D3F3AD47-EAC2-464A-A17C-2D5009501DCD}" type="slidenum">
+            <a:fld id="{5911C0E6-D9CE-431C-92CB-BB39B872F930}" type="slidenum">
               <a:rPr lang="en-US" smtClean="0"/>
               <a:t>‹#›</a:t>
             </a:fld>
@@ -921,7 +1411,7 @@
     </p:spTree>
     <p:extLst>
       <p:ext uri="{BB962C8B-B14F-4D97-AF65-F5344CB8AC3E}">
-        <p14:creationId xmlns:p14="http://schemas.microsoft.com/office/powerpoint/2010/main" val="646949870"/>
+        <p14:creationId xmlns:p14="http://schemas.microsoft.com/office/powerpoint/2010/main" val="4128361458"/>
       </p:ext>
     </p:extLst>
   </p:cSld>
@@ -932,6 +1422,148 @@
 </file>
 
 <file path=ppt/slideLayouts/slideLayout3.xml><?xml version="1.0" encoding="utf-8"?>
+<p:sldLayout xmlns:a="http://schemas.openxmlformats.org/drawingml/2006/main" xmlns:r="http://schemas.openxmlformats.org/officeDocument/2006/relationships" xmlns:p="http://schemas.openxmlformats.org/presentationml/2006/main" type="titleOnly" preserve="1">
+  <p:cSld name="Title Only">
+    <p:spTree>
+      <p:nvGrpSpPr>
+        <p:cNvPr id="1" name=""/>
+        <p:cNvGrpSpPr/>
+        <p:nvPr/>
+      </p:nvGrpSpPr>
+      <p:grpSpPr>
+        <a:xfrm>
+          <a:off x="0" y="0"/>
+          <a:ext cx="0" cy="0"/>
+          <a:chOff x="0" y="0"/>
+          <a:chExt cx="0" cy="0"/>
+        </a:xfrm>
+      </p:grpSpPr>
+      <p:sp>
+        <p:nvSpPr>
+          <p:cNvPr id="2" name="Title 1">
+            <a:extLst>
+              <a:ext uri="{FF2B5EF4-FFF2-40B4-BE49-F238E27FC236}">
+                <a16:creationId xmlns:a16="http://schemas.microsoft.com/office/drawing/2014/main" id="{8EACC032-DDA2-4193-AC0B-B1AAFCBD73A4}"/>
+              </a:ext>
+            </a:extLst>
+          </p:cNvPr>
+          <p:cNvSpPr>
+            <a:spLocks noGrp="1"/>
+          </p:cNvSpPr>
+          <p:nvPr>
+            <p:ph type="title"/>
+          </p:nvPr>
+        </p:nvSpPr>
+        <p:spPr>
+          <a:xfrm>
+            <a:off x="0" y="136525"/>
+            <a:ext cx="10515600" cy="800128"/>
+          </a:xfrm>
+        </p:spPr>
+        <p:txBody>
+          <a:bodyPr tIns="0" bIns="0" anchor="b"/>
+          <a:lstStyle/>
+          <a:p>
+            <a:r>
+              <a:rPr lang="en-US" dirty="0"/>
+              <a:t>Click to edit Master title style</a:t>
+            </a:r>
+          </a:p>
+        </p:txBody>
+      </p:sp>
+      <p:sp>
+        <p:nvSpPr>
+          <p:cNvPr id="3" name="Date Placeholder 2">
+            <a:extLst>
+              <a:ext uri="{FF2B5EF4-FFF2-40B4-BE49-F238E27FC236}">
+                <a16:creationId xmlns:a16="http://schemas.microsoft.com/office/drawing/2014/main" id="{D15C0D1E-1C0F-40F1-8C10-98205C63FA40}"/>
+              </a:ext>
+            </a:extLst>
+          </p:cNvPr>
+          <p:cNvSpPr>
+            <a:spLocks noGrp="1"/>
+          </p:cNvSpPr>
+          <p:nvPr>
+            <p:ph type="dt" sz="half" idx="10"/>
+          </p:nvPr>
+        </p:nvSpPr>
+        <p:spPr/>
+        <p:txBody>
+          <a:bodyPr/>
+          <a:lstStyle/>
+          <a:p>
+            <a:endParaRPr lang="en-US"/>
+          </a:p>
+        </p:txBody>
+      </p:sp>
+      <p:sp>
+        <p:nvSpPr>
+          <p:cNvPr id="4" name="Footer Placeholder 3">
+            <a:extLst>
+              <a:ext uri="{FF2B5EF4-FFF2-40B4-BE49-F238E27FC236}">
+                <a16:creationId xmlns:a16="http://schemas.microsoft.com/office/drawing/2014/main" id="{7FACED04-9E56-4294-BD8B-490862AB50AC}"/>
+              </a:ext>
+            </a:extLst>
+          </p:cNvPr>
+          <p:cNvSpPr>
+            <a:spLocks noGrp="1"/>
+          </p:cNvSpPr>
+          <p:nvPr>
+            <p:ph type="ftr" sz="quarter" idx="11"/>
+          </p:nvPr>
+        </p:nvSpPr>
+        <p:spPr/>
+        <p:txBody>
+          <a:bodyPr/>
+          <a:lstStyle/>
+          <a:p>
+            <a:endParaRPr lang="en-US"/>
+          </a:p>
+        </p:txBody>
+      </p:sp>
+      <p:sp>
+        <p:nvSpPr>
+          <p:cNvPr id="5" name="Slide Number Placeholder 4">
+            <a:extLst>
+              <a:ext uri="{FF2B5EF4-FFF2-40B4-BE49-F238E27FC236}">
+                <a16:creationId xmlns:a16="http://schemas.microsoft.com/office/drawing/2014/main" id="{1BAFC649-0DAD-443A-B85E-5CB9716D04EB}"/>
+              </a:ext>
+            </a:extLst>
+          </p:cNvPr>
+          <p:cNvSpPr>
+            <a:spLocks noGrp="1"/>
+          </p:cNvSpPr>
+          <p:nvPr>
+            <p:ph type="sldNum" sz="quarter" idx="12"/>
+          </p:nvPr>
+        </p:nvSpPr>
+        <p:spPr/>
+        <p:txBody>
+          <a:bodyPr/>
+          <a:lstStyle/>
+          <a:p>
+            <a:fld id="{5911C0E6-D9CE-431C-92CB-BB39B872F930}" type="slidenum">
+              <a:rPr lang="en-US" smtClean="0"/>
+              <a:t>‹#›</a:t>
+            </a:fld>
+            <a:endParaRPr lang="en-US"/>
+          </a:p>
+        </p:txBody>
+      </p:sp>
+    </p:spTree>
+    <p:extLst>
+      <p:ext uri="{BB962C8B-B14F-4D97-AF65-F5344CB8AC3E}">
+        <p14:creationId xmlns:p14="http://schemas.microsoft.com/office/powerpoint/2010/main" val="4246319613"/>
+      </p:ext>
+    </p:extLst>
+  </p:cSld>
+  <p:clrMapOvr>
+    <a:masterClrMapping/>
+  </p:clrMapOvr>
+</p:sldLayout>
+</file>
+
+<file path=ppt/slideLayouts/slideLayout4.xml><?xml version="1.0" encoding="utf-8"?>
 <p:sldLayout xmlns:a="http://schemas.openxmlformats.org/drawingml/2006/main" xmlns:r="http://schemas.openxmlformats.org/officeDocument/2006/relationships" xmlns:p="http://schemas.openxmlformats.org/presentationml/2006/main" type="secHead" preserve="1">
   <p:cSld name="Section Header">
     <p:spTree>
@@ -948,12 +1580,48 @@
           <a:chExt cx="0" cy="0"/>
         </a:xfrm>
       </p:grpSpPr>
+      <p:pic>
+        <p:nvPicPr>
+          <p:cNvPr id="7" name="Picture 6">
+            <a:extLst>
+              <a:ext uri="{FF2B5EF4-FFF2-40B4-BE49-F238E27FC236}">
+                <a16:creationId xmlns:a16="http://schemas.microsoft.com/office/drawing/2014/main" id="{23062FA5-F665-45A1-AB5C-C99DB2A8C72F}"/>
+              </a:ext>
+            </a:extLst>
+          </p:cNvPr>
+          <p:cNvPicPr>
+            <a:picLocks noChangeAspect="1"/>
+          </p:cNvPicPr>
+          <p:nvPr userDrawn="1"/>
+        </p:nvPicPr>
+        <p:blipFill>
+          <a:blip r:embed="rId2">
+            <a:extLst>
+              <a:ext uri="{28A0092B-C50C-407E-A947-70E740481C1C}">
+                <a14:useLocalDpi xmlns:a14="http://schemas.microsoft.com/office/drawing/2010/main" val="0"/>
+              </a:ext>
+            </a:extLst>
+          </a:blip>
+          <a:stretch>
+            <a:fillRect/>
+          </a:stretch>
+        </p:blipFill>
+        <p:spPr>
+          <a:xfrm>
+            <a:off x="0" y="0"/>
+            <a:ext cx="12192000" cy="6858000"/>
+          </a:xfrm>
+          <a:prstGeom prst="rect">
+            <a:avLst/>
+          </a:prstGeom>
+        </p:spPr>
+      </p:pic>
       <p:sp>
         <p:nvSpPr>
           <p:cNvPr id="2" name="Title 1">
             <a:extLst>
               <a:ext uri="{FF2B5EF4-FFF2-40B4-BE49-F238E27FC236}">
-                <a16:creationId xmlns:a16="http://schemas.microsoft.com/office/drawing/2014/main" id="{C1A8DE50-C7A5-6270-724E-852D44E1FBB7}"/>
+                <a16:creationId xmlns:a16="http://schemas.microsoft.com/office/drawing/2014/main" id="{DBFB904A-C29B-4D87-997F-4AF5D55328CE}"/>
               </a:ext>
             </a:extLst>
           </p:cNvPr>
@@ -974,12 +1642,16 @@
           <a:bodyPr anchor="b"/>
           <a:lstStyle>
             <a:lvl1pPr>
-              <a:defRPr sz="6000"/>
+              <a:defRPr sz="6000">
+                <a:solidFill>
+                  <a:schemeClr val="bg1"/>
+                </a:solidFill>
+              </a:defRPr>
             </a:lvl1pPr>
           </a:lstStyle>
           <a:p>
             <a:r>
-              <a:rPr lang="en-US"/>
+              <a:rPr lang="en-US" dirty="0"/>
               <a:t>Click to edit Master title style</a:t>
             </a:r>
           </a:p>
@@ -990,7 +1662,7 @@
           <p:cNvPr id="3" name="Text Placeholder 2">
             <a:extLst>
               <a:ext uri="{FF2B5EF4-FFF2-40B4-BE49-F238E27FC236}">
-                <a16:creationId xmlns:a16="http://schemas.microsoft.com/office/drawing/2014/main" id="{5828B865-907E-4F3E-764D-E20761A4EB33}"/>
+                <a16:creationId xmlns:a16="http://schemas.microsoft.com/office/drawing/2014/main" id="{16B9EE61-FDFA-4A03-B22A-6267F6380427}"/>
               </a:ext>
             </a:extLst>
           </p:cNvPr>
@@ -1014,10 +1686,9 @@
               <a:buNone/>
               <a:defRPr sz="2400">
                 <a:solidFill>
-                  <a:schemeClr val="tx1">
-                    <a:tint val="75000"/>
-                  </a:schemeClr>
+                  <a:schemeClr val="bg1"/>
                 </a:solidFill>
+                <a:latin typeface="FreightSans Pro Semibold" panose="02000603040000020004" pitchFamily="50" charset="0"/>
               </a:defRPr>
             </a:lvl1pPr>
             <a:lvl2pPr marL="457200" indent="0">
@@ -1104,7 +1775,7 @@
           <a:p>
             <a:pPr lvl="0"/>
             <a:r>
-              <a:rPr lang="en-US"/>
+              <a:rPr lang="en-US" dirty="0"/>
               <a:t>Click to edit Master text styles</a:t>
             </a:r>
           </a:p>
@@ -1115,7 +1786,7 @@
           <p:cNvPr id="4" name="Date Placeholder 3">
             <a:extLst>
               <a:ext uri="{FF2B5EF4-FFF2-40B4-BE49-F238E27FC236}">
-                <a16:creationId xmlns:a16="http://schemas.microsoft.com/office/drawing/2014/main" id="{276DAC90-A66F-8E29-9E62-CF6011E34C38}"/>
+                <a16:creationId xmlns:a16="http://schemas.microsoft.com/office/drawing/2014/main" id="{B445A287-DAAF-497B-B796-0670AC7B1A62}"/>
               </a:ext>
             </a:extLst>
           </p:cNvPr>
@@ -1129,74 +1800,98 @@
         <p:spPr/>
         <p:txBody>
           <a:bodyPr/>
-          <a:lstStyle/>
-          <a:p>
-            <a:fld id="{36ECAE85-DFE9-49C6-B093-25B8258B6F44}" type="datetimeFigureOut">
+          <a:lstStyle>
+            <a:lvl1pPr>
+              <a:defRPr>
+                <a:solidFill>
+                  <a:schemeClr val="bg1"/>
+                </a:solidFill>
+                <a:latin typeface="FreightSans Pro Semibold" panose="02000603040000020004" pitchFamily="50" charset="0"/>
+              </a:defRPr>
+            </a:lvl1pPr>
+          </a:lstStyle>
+          <a:p>
+            <a:endParaRPr lang="en-US" dirty="0"/>
+          </a:p>
+        </p:txBody>
+      </p:sp>
+      <p:sp>
+        <p:nvSpPr>
+          <p:cNvPr id="5" name="Footer Placeholder 4">
+            <a:extLst>
+              <a:ext uri="{FF2B5EF4-FFF2-40B4-BE49-F238E27FC236}">
+                <a16:creationId xmlns:a16="http://schemas.microsoft.com/office/drawing/2014/main" id="{ADFDD82E-573F-4B7A-A60E-19A3F1161A0E}"/>
+              </a:ext>
+            </a:extLst>
+          </p:cNvPr>
+          <p:cNvSpPr>
+            <a:spLocks noGrp="1"/>
+          </p:cNvSpPr>
+          <p:nvPr>
+            <p:ph type="ftr" sz="quarter" idx="11"/>
+          </p:nvPr>
+        </p:nvSpPr>
+        <p:spPr/>
+        <p:txBody>
+          <a:bodyPr/>
+          <a:lstStyle>
+            <a:lvl1pPr>
+              <a:defRPr>
+                <a:solidFill>
+                  <a:schemeClr val="bg1"/>
+                </a:solidFill>
+                <a:latin typeface="FreightSans Pro Semibold" panose="02000603040000020004" pitchFamily="50" charset="0"/>
+              </a:defRPr>
+            </a:lvl1pPr>
+          </a:lstStyle>
+          <a:p>
+            <a:endParaRPr lang="en-US" dirty="0"/>
+          </a:p>
+        </p:txBody>
+      </p:sp>
+      <p:sp>
+        <p:nvSpPr>
+          <p:cNvPr id="6" name="Slide Number Placeholder 5">
+            <a:extLst>
+              <a:ext uri="{FF2B5EF4-FFF2-40B4-BE49-F238E27FC236}">
+                <a16:creationId xmlns:a16="http://schemas.microsoft.com/office/drawing/2014/main" id="{91651E29-F2A6-4F5B-AB8A-C05227CC25C5}"/>
+              </a:ext>
+            </a:extLst>
+          </p:cNvPr>
+          <p:cNvSpPr>
+            <a:spLocks noGrp="1"/>
+          </p:cNvSpPr>
+          <p:nvPr>
+            <p:ph type="sldNum" sz="quarter" idx="12"/>
+          </p:nvPr>
+        </p:nvSpPr>
+        <p:spPr/>
+        <p:txBody>
+          <a:bodyPr/>
+          <a:lstStyle>
+            <a:lvl1pPr>
+              <a:defRPr>
+                <a:solidFill>
+                  <a:schemeClr val="bg1"/>
+                </a:solidFill>
+                <a:latin typeface="FreightSans Pro Semibold" panose="02000603040000020004" pitchFamily="50" charset="0"/>
+              </a:defRPr>
+            </a:lvl1pPr>
+          </a:lstStyle>
+          <a:p>
+            <a:fld id="{5911C0E6-D9CE-431C-92CB-BB39B872F930}" type="slidenum">
               <a:rPr lang="en-US" smtClean="0"/>
-              <a:t>8/2/2022</a:t>
-            </a:fld>
-            <a:endParaRPr lang="en-US"/>
-          </a:p>
-        </p:txBody>
-      </p:sp>
-      <p:sp>
-        <p:nvSpPr>
-          <p:cNvPr id="5" name="Footer Placeholder 4">
-            <a:extLst>
-              <a:ext uri="{FF2B5EF4-FFF2-40B4-BE49-F238E27FC236}">
-                <a16:creationId xmlns:a16="http://schemas.microsoft.com/office/drawing/2014/main" id="{1969CE8A-EB10-2460-50D8-1C8CE03D9563}"/>
-              </a:ext>
-            </a:extLst>
-          </p:cNvPr>
-          <p:cNvSpPr>
-            <a:spLocks noGrp="1"/>
-          </p:cNvSpPr>
-          <p:nvPr>
-            <p:ph type="ftr" sz="quarter" idx="11"/>
-          </p:nvPr>
-        </p:nvSpPr>
-        <p:spPr/>
-        <p:txBody>
-          <a:bodyPr/>
-          <a:lstStyle/>
-          <a:p>
-            <a:endParaRPr lang="en-US"/>
-          </a:p>
-        </p:txBody>
-      </p:sp>
-      <p:sp>
-        <p:nvSpPr>
-          <p:cNvPr id="6" name="Slide Number Placeholder 5">
-            <a:extLst>
-              <a:ext uri="{FF2B5EF4-FFF2-40B4-BE49-F238E27FC236}">
-                <a16:creationId xmlns:a16="http://schemas.microsoft.com/office/drawing/2014/main" id="{B3666FE8-EE7A-B012-0A4E-C1457C777BBB}"/>
-              </a:ext>
-            </a:extLst>
-          </p:cNvPr>
-          <p:cNvSpPr>
-            <a:spLocks noGrp="1"/>
-          </p:cNvSpPr>
-          <p:nvPr>
-            <p:ph type="sldNum" sz="quarter" idx="12"/>
-          </p:nvPr>
-        </p:nvSpPr>
-        <p:spPr/>
-        <p:txBody>
-          <a:bodyPr/>
-          <a:lstStyle/>
-          <a:p>
-            <a:fld id="{D3F3AD47-EAC2-464A-A17C-2D5009501DCD}" type="slidenum">
-              <a:rPr lang="en-US" smtClean="0"/>
+              <a:pPr/>
               <a:t>‹#›</a:t>
             </a:fld>
-            <a:endParaRPr lang="en-US"/>
+            <a:endParaRPr lang="en-US" dirty="0"/>
           </a:p>
         </p:txBody>
       </p:sp>
     </p:spTree>
     <p:extLst>
       <p:ext uri="{BB962C8B-B14F-4D97-AF65-F5344CB8AC3E}">
-        <p14:creationId xmlns:p14="http://schemas.microsoft.com/office/powerpoint/2010/main" val="1357084763"/>
+        <p14:creationId xmlns:p14="http://schemas.microsoft.com/office/powerpoint/2010/main" val="3764500241"/>
       </p:ext>
     </p:extLst>
   </p:cSld>
@@ -1206,7 +1901,7 @@
 </p:sldLayout>
 </file>
 
-<file path=ppt/slideLayouts/slideLayout4.xml><?xml version="1.0" encoding="utf-8"?>
+<file path=ppt/slideLayouts/slideLayout5.xml><?xml version="1.0" encoding="utf-8"?>
 <p:sldLayout xmlns:a="http://schemas.openxmlformats.org/drawingml/2006/main" xmlns:r="http://schemas.openxmlformats.org/officeDocument/2006/relationships" xmlns:p="http://schemas.openxmlformats.org/presentationml/2006/main" type="twoObj" preserve="1">
   <p:cSld name="Two Content">
     <p:spTree>
@@ -1228,7 +1923,7 @@
           <p:cNvPr id="2" name="Title 1">
             <a:extLst>
               <a:ext uri="{FF2B5EF4-FFF2-40B4-BE49-F238E27FC236}">
-                <a16:creationId xmlns:a16="http://schemas.microsoft.com/office/drawing/2014/main" id="{87126474-F26C-A566-49C7-D6BC924EBDA1}"/>
+                <a16:creationId xmlns:a16="http://schemas.microsoft.com/office/drawing/2014/main" id="{A6A39CD3-9DE4-4C4F-B6EE-735895A7540B}"/>
               </a:ext>
             </a:extLst>
           </p:cNvPr>
@@ -1256,7 +1951,7 @@
           <p:cNvPr id="3" name="Content Placeholder 2">
             <a:extLst>
               <a:ext uri="{FF2B5EF4-FFF2-40B4-BE49-F238E27FC236}">
-                <a16:creationId xmlns:a16="http://schemas.microsoft.com/office/drawing/2014/main" id="{359B1850-CC80-01EE-4C5A-27751D30C6EE}"/>
+                <a16:creationId xmlns:a16="http://schemas.microsoft.com/office/drawing/2014/main" id="{16863C54-C40A-4706-83B7-17B80E49C1AD}"/>
               </a:ext>
             </a:extLst>
           </p:cNvPr>
@@ -1279,35 +1974,35 @@
           <a:p>
             <a:pPr lvl="0"/>
             <a:r>
-              <a:rPr lang="en-US"/>
+              <a:rPr lang="en-US" dirty="0"/>
               <a:t>Click to edit Master text styles</a:t>
             </a:r>
           </a:p>
           <a:p>
             <a:pPr lvl="1"/>
             <a:r>
-              <a:rPr lang="en-US"/>
+              <a:rPr lang="en-US" dirty="0"/>
               <a:t>Second level</a:t>
             </a:r>
           </a:p>
           <a:p>
             <a:pPr lvl="2"/>
             <a:r>
-              <a:rPr lang="en-US"/>
+              <a:rPr lang="en-US" dirty="0"/>
               <a:t>Third level</a:t>
             </a:r>
           </a:p>
           <a:p>
             <a:pPr lvl="3"/>
             <a:r>
-              <a:rPr lang="en-US"/>
+              <a:rPr lang="en-US" dirty="0"/>
               <a:t>Fourth level</a:t>
             </a:r>
           </a:p>
           <a:p>
             <a:pPr lvl="4"/>
             <a:r>
-              <a:rPr lang="en-US"/>
+              <a:rPr lang="en-US" dirty="0"/>
               <a:t>Fifth level</a:t>
             </a:r>
           </a:p>
@@ -1318,7 +2013,7 @@
           <p:cNvPr id="4" name="Content Placeholder 3">
             <a:extLst>
               <a:ext uri="{FF2B5EF4-FFF2-40B4-BE49-F238E27FC236}">
-                <a16:creationId xmlns:a16="http://schemas.microsoft.com/office/drawing/2014/main" id="{DC4E9944-7D1A-19F3-ABEA-94036715AEA7}"/>
+                <a16:creationId xmlns:a16="http://schemas.microsoft.com/office/drawing/2014/main" id="{867A1DB0-ADB8-4E91-AADF-957483E8D9C3}"/>
               </a:ext>
             </a:extLst>
           </p:cNvPr>
@@ -1380,7 +2075,7 @@
           <p:cNvPr id="5" name="Date Placeholder 4">
             <a:extLst>
               <a:ext uri="{FF2B5EF4-FFF2-40B4-BE49-F238E27FC236}">
-                <a16:creationId xmlns:a16="http://schemas.microsoft.com/office/drawing/2014/main" id="{3157847C-5C60-C51E-BE8C-979E05F1DF36}"/>
+                <a16:creationId xmlns:a16="http://schemas.microsoft.com/office/drawing/2014/main" id="{BB6CDD6F-E5F5-4BC8-81E7-E27601E15C38}"/>
               </a:ext>
             </a:extLst>
           </p:cNvPr>
@@ -1396,10 +2091,6 @@
           <a:bodyPr/>
           <a:lstStyle/>
           <a:p>
-            <a:fld id="{36ECAE85-DFE9-49C6-B093-25B8258B6F44}" type="datetimeFigureOut">
-              <a:rPr lang="en-US" smtClean="0"/>
-              <a:t>8/2/2022</a:t>
-            </a:fld>
             <a:endParaRPr lang="en-US"/>
           </a:p>
         </p:txBody>
@@ -1409,7 +2100,7 @@
           <p:cNvPr id="6" name="Footer Placeholder 5">
             <a:extLst>
               <a:ext uri="{FF2B5EF4-FFF2-40B4-BE49-F238E27FC236}">
-                <a16:creationId xmlns:a16="http://schemas.microsoft.com/office/drawing/2014/main" id="{A639A751-D439-8762-768A-497BF8114253}"/>
+                <a16:creationId xmlns:a16="http://schemas.microsoft.com/office/drawing/2014/main" id="{1258B2BD-7BFF-4940-9227-9B5BDBE1DEC0}"/>
               </a:ext>
             </a:extLst>
           </p:cNvPr>
@@ -1434,7 +2125,7 @@
           <p:cNvPr id="7" name="Slide Number Placeholder 6">
             <a:extLst>
               <a:ext uri="{FF2B5EF4-FFF2-40B4-BE49-F238E27FC236}">
-                <a16:creationId xmlns:a16="http://schemas.microsoft.com/office/drawing/2014/main" id="{3B4C5E82-7A9F-DE3A-EC3F-E3CCFACFE352}"/>
+                <a16:creationId xmlns:a16="http://schemas.microsoft.com/office/drawing/2014/main" id="{FDBFBE47-4F02-4A27-A2E0-217DCFF54811}"/>
               </a:ext>
             </a:extLst>
           </p:cNvPr>
@@ -1450,7 +2141,7 @@
           <a:bodyPr/>
           <a:lstStyle/>
           <a:p>
-            <a:fld id="{D3F3AD47-EAC2-464A-A17C-2D5009501DCD}" type="slidenum">
+            <a:fld id="{5911C0E6-D9CE-431C-92CB-BB39B872F930}" type="slidenum">
               <a:rPr lang="en-US" smtClean="0"/>
               <a:t>‹#›</a:t>
             </a:fld>
@@ -1461,7 +2152,7 @@
     </p:spTree>
     <p:extLst>
       <p:ext uri="{BB962C8B-B14F-4D97-AF65-F5344CB8AC3E}">
-        <p14:creationId xmlns:p14="http://schemas.microsoft.com/office/powerpoint/2010/main" val="3882780409"/>
+        <p14:creationId xmlns:p14="http://schemas.microsoft.com/office/powerpoint/2010/main" val="214333187"/>
       </p:ext>
     </p:extLst>
   </p:cSld>
@@ -1471,7 +2162,7 @@
 </p:sldLayout>
 </file>
 
-<file path=ppt/slideLayouts/slideLayout5.xml><?xml version="1.0" encoding="utf-8"?>
+<file path=ppt/slideLayouts/slideLayout6.xml><?xml version="1.0" encoding="utf-8"?>
 <p:sldLayout xmlns:a="http://schemas.openxmlformats.org/drawingml/2006/main" xmlns:r="http://schemas.openxmlformats.org/officeDocument/2006/relationships" xmlns:p="http://schemas.openxmlformats.org/presentationml/2006/main" type="twoTxTwoObj" preserve="1">
   <p:cSld name="Comparison">
     <p:spTree>
@@ -1493,7 +2184,7 @@
           <p:cNvPr id="2" name="Title 1">
             <a:extLst>
               <a:ext uri="{FF2B5EF4-FFF2-40B4-BE49-F238E27FC236}">
-                <a16:creationId xmlns:a16="http://schemas.microsoft.com/office/drawing/2014/main" id="{D82512CB-7A01-C136-5B41-F44A2DD1703D}"/>
+                <a16:creationId xmlns:a16="http://schemas.microsoft.com/office/drawing/2014/main" id="{9419CF83-8D29-4555-9FF8-EC2E695F4635}"/>
               </a:ext>
             </a:extLst>
           </p:cNvPr>
@@ -1526,7 +2217,7 @@
           <p:cNvPr id="3" name="Text Placeholder 2">
             <a:extLst>
               <a:ext uri="{FF2B5EF4-FFF2-40B4-BE49-F238E27FC236}">
-                <a16:creationId xmlns:a16="http://schemas.microsoft.com/office/drawing/2014/main" id="{718F3471-C844-91E3-E391-E8EDEEE0C7D2}"/>
+                <a16:creationId xmlns:a16="http://schemas.microsoft.com/office/drawing/2014/main" id="{999CBFEC-721F-4B00-A944-81BE5F540C82}"/>
               </a:ext>
             </a:extLst>
           </p:cNvPr>
@@ -1597,7 +2288,7 @@
           <p:cNvPr id="4" name="Content Placeholder 3">
             <a:extLst>
               <a:ext uri="{FF2B5EF4-FFF2-40B4-BE49-F238E27FC236}">
-                <a16:creationId xmlns:a16="http://schemas.microsoft.com/office/drawing/2014/main" id="{E1A8A8A4-CE56-AC8D-3694-0B1B7258A09D}"/>
+                <a16:creationId xmlns:a16="http://schemas.microsoft.com/office/drawing/2014/main" id="{4F58B627-6ED1-4608-BB7B-88BFEF260049}"/>
               </a:ext>
             </a:extLst>
           </p:cNvPr>
@@ -1659,7 +2350,7 @@
           <p:cNvPr id="5" name="Text Placeholder 4">
             <a:extLst>
               <a:ext uri="{FF2B5EF4-FFF2-40B4-BE49-F238E27FC236}">
-                <a16:creationId xmlns:a16="http://schemas.microsoft.com/office/drawing/2014/main" id="{AD71F12B-BE72-8494-63C4-F7A359B0C26B}"/>
+                <a16:creationId xmlns:a16="http://schemas.microsoft.com/office/drawing/2014/main" id="{61392499-63F6-4A01-9560-E2055450570D}"/>
               </a:ext>
             </a:extLst>
           </p:cNvPr>
@@ -1730,7 +2421,7 @@
           <p:cNvPr id="6" name="Content Placeholder 5">
             <a:extLst>
               <a:ext uri="{FF2B5EF4-FFF2-40B4-BE49-F238E27FC236}">
-                <a16:creationId xmlns:a16="http://schemas.microsoft.com/office/drawing/2014/main" id="{A4116C97-C45B-2CC8-F3A2-FB131ECF5A7E}"/>
+                <a16:creationId xmlns:a16="http://schemas.microsoft.com/office/drawing/2014/main" id="{E0EFBD71-7A56-4D2D-A16A-16B140C43A91}"/>
               </a:ext>
             </a:extLst>
           </p:cNvPr>
@@ -1792,7 +2483,7 @@
           <p:cNvPr id="7" name="Date Placeholder 6">
             <a:extLst>
               <a:ext uri="{FF2B5EF4-FFF2-40B4-BE49-F238E27FC236}">
-                <a16:creationId xmlns:a16="http://schemas.microsoft.com/office/drawing/2014/main" id="{FE4A93CE-70D8-F60E-4F50-E5205598415D}"/>
+                <a16:creationId xmlns:a16="http://schemas.microsoft.com/office/drawing/2014/main" id="{03895288-E3B3-42F5-B83F-D970A719118E}"/>
               </a:ext>
             </a:extLst>
           </p:cNvPr>
@@ -1808,10 +2499,6 @@
           <a:bodyPr/>
           <a:lstStyle/>
           <a:p>
-            <a:fld id="{36ECAE85-DFE9-49C6-B093-25B8258B6F44}" type="datetimeFigureOut">
-              <a:rPr lang="en-US" smtClean="0"/>
-              <a:t>8/2/2022</a:t>
-            </a:fld>
             <a:endParaRPr lang="en-US"/>
           </a:p>
         </p:txBody>
@@ -1821,7 +2508,7 @@
           <p:cNvPr id="8" name="Footer Placeholder 7">
             <a:extLst>
               <a:ext uri="{FF2B5EF4-FFF2-40B4-BE49-F238E27FC236}">
-                <a16:creationId xmlns:a16="http://schemas.microsoft.com/office/drawing/2014/main" id="{971F365A-B274-AAC1-0F3B-5FCC0DF8475E}"/>
+                <a16:creationId xmlns:a16="http://schemas.microsoft.com/office/drawing/2014/main" id="{43A61DF6-AE5E-4DD7-A248-343D341B38A3}"/>
               </a:ext>
             </a:extLst>
           </p:cNvPr>
@@ -1846,7 +2533,7 @@
           <p:cNvPr id="9" name="Slide Number Placeholder 8">
             <a:extLst>
               <a:ext uri="{FF2B5EF4-FFF2-40B4-BE49-F238E27FC236}">
-                <a16:creationId xmlns:a16="http://schemas.microsoft.com/office/drawing/2014/main" id="{F26957A4-8CD7-CF65-0E64-A1BB30EC7880}"/>
+                <a16:creationId xmlns:a16="http://schemas.microsoft.com/office/drawing/2014/main" id="{07D6CEAF-E2C7-4F56-B7B7-3C4B19F80430}"/>
               </a:ext>
             </a:extLst>
           </p:cNvPr>
@@ -1862,7 +2549,7 @@
           <a:bodyPr/>
           <a:lstStyle/>
           <a:p>
-            <a:fld id="{D3F3AD47-EAC2-464A-A17C-2D5009501DCD}" type="slidenum">
+            <a:fld id="{5911C0E6-D9CE-431C-92CB-BB39B872F930}" type="slidenum">
               <a:rPr lang="en-US" smtClean="0"/>
               <a:t>‹#›</a:t>
             </a:fld>
@@ -1873,148 +2560,7 @@
     </p:spTree>
     <p:extLst>
       <p:ext uri="{BB962C8B-B14F-4D97-AF65-F5344CB8AC3E}">
-        <p14:creationId xmlns:p14="http://schemas.microsoft.com/office/powerpoint/2010/main" val="449530655"/>
-      </p:ext>
-    </p:extLst>
-  </p:cSld>
-  <p:clrMapOvr>
-    <a:masterClrMapping/>
-  </p:clrMapOvr>
-</p:sldLayout>
-</file>
-
-<file path=ppt/slideLayouts/slideLayout6.xml><?xml version="1.0" encoding="utf-8"?>
-<p:sldLayout xmlns:a="http://schemas.openxmlformats.org/drawingml/2006/main" xmlns:r="http://schemas.openxmlformats.org/officeDocument/2006/relationships" xmlns:p="http://schemas.openxmlformats.org/presentationml/2006/main" type="titleOnly" preserve="1">
-  <p:cSld name="Title Only">
-    <p:spTree>
-      <p:nvGrpSpPr>
-        <p:cNvPr id="1" name=""/>
-        <p:cNvGrpSpPr/>
-        <p:nvPr/>
-      </p:nvGrpSpPr>
-      <p:grpSpPr>
-        <a:xfrm>
-          <a:off x="0" y="0"/>
-          <a:ext cx="0" cy="0"/>
-          <a:chOff x="0" y="0"/>
-          <a:chExt cx="0" cy="0"/>
-        </a:xfrm>
-      </p:grpSpPr>
-      <p:sp>
-        <p:nvSpPr>
-          <p:cNvPr id="2" name="Title 1">
-            <a:extLst>
-              <a:ext uri="{FF2B5EF4-FFF2-40B4-BE49-F238E27FC236}">
-                <a16:creationId xmlns:a16="http://schemas.microsoft.com/office/drawing/2014/main" id="{3CC81E29-1088-9F4F-A238-C1073ADBD284}"/>
-              </a:ext>
-            </a:extLst>
-          </p:cNvPr>
-          <p:cNvSpPr>
-            <a:spLocks noGrp="1"/>
-          </p:cNvSpPr>
-          <p:nvPr>
-            <p:ph type="title"/>
-          </p:nvPr>
-        </p:nvSpPr>
-        <p:spPr/>
-        <p:txBody>
-          <a:bodyPr/>
-          <a:lstStyle/>
-          <a:p>
-            <a:r>
-              <a:rPr lang="en-US"/>
-              <a:t>Click to edit Master title style</a:t>
-            </a:r>
-          </a:p>
-        </p:txBody>
-      </p:sp>
-      <p:sp>
-        <p:nvSpPr>
-          <p:cNvPr id="3" name="Date Placeholder 2">
-            <a:extLst>
-              <a:ext uri="{FF2B5EF4-FFF2-40B4-BE49-F238E27FC236}">
-                <a16:creationId xmlns:a16="http://schemas.microsoft.com/office/drawing/2014/main" id="{C54A4AF9-AAB5-C4C5-2674-DDE7E6BA5FDE}"/>
-              </a:ext>
-            </a:extLst>
-          </p:cNvPr>
-          <p:cNvSpPr>
-            <a:spLocks noGrp="1"/>
-          </p:cNvSpPr>
-          <p:nvPr>
-            <p:ph type="dt" sz="half" idx="10"/>
-          </p:nvPr>
-        </p:nvSpPr>
-        <p:spPr/>
-        <p:txBody>
-          <a:bodyPr/>
-          <a:lstStyle/>
-          <a:p>
-            <a:fld id="{36ECAE85-DFE9-49C6-B093-25B8258B6F44}" type="datetimeFigureOut">
-              <a:rPr lang="en-US" smtClean="0"/>
-              <a:t>8/2/2022</a:t>
-            </a:fld>
-            <a:endParaRPr lang="en-US"/>
-          </a:p>
-        </p:txBody>
-      </p:sp>
-      <p:sp>
-        <p:nvSpPr>
-          <p:cNvPr id="4" name="Footer Placeholder 3">
-            <a:extLst>
-              <a:ext uri="{FF2B5EF4-FFF2-40B4-BE49-F238E27FC236}">
-                <a16:creationId xmlns:a16="http://schemas.microsoft.com/office/drawing/2014/main" id="{564FADAB-01EF-DB1F-CEBB-0474342063A5}"/>
-              </a:ext>
-            </a:extLst>
-          </p:cNvPr>
-          <p:cNvSpPr>
-            <a:spLocks noGrp="1"/>
-          </p:cNvSpPr>
-          <p:nvPr>
-            <p:ph type="ftr" sz="quarter" idx="11"/>
-          </p:nvPr>
-        </p:nvSpPr>
-        <p:spPr/>
-        <p:txBody>
-          <a:bodyPr/>
-          <a:lstStyle/>
-          <a:p>
-            <a:endParaRPr lang="en-US"/>
-          </a:p>
-        </p:txBody>
-      </p:sp>
-      <p:sp>
-        <p:nvSpPr>
-          <p:cNvPr id="5" name="Slide Number Placeholder 4">
-            <a:extLst>
-              <a:ext uri="{FF2B5EF4-FFF2-40B4-BE49-F238E27FC236}">
-                <a16:creationId xmlns:a16="http://schemas.microsoft.com/office/drawing/2014/main" id="{4527FF94-976D-7F85-8071-6BF548536741}"/>
-              </a:ext>
-            </a:extLst>
-          </p:cNvPr>
-          <p:cNvSpPr>
-            <a:spLocks noGrp="1"/>
-          </p:cNvSpPr>
-          <p:nvPr>
-            <p:ph type="sldNum" sz="quarter" idx="12"/>
-          </p:nvPr>
-        </p:nvSpPr>
-        <p:spPr/>
-        <p:txBody>
-          <a:bodyPr/>
-          <a:lstStyle/>
-          <a:p>
-            <a:fld id="{D3F3AD47-EAC2-464A-A17C-2D5009501DCD}" type="slidenum">
-              <a:rPr lang="en-US" smtClean="0"/>
-              <a:t>‹#›</a:t>
-            </a:fld>
-            <a:endParaRPr lang="en-US"/>
-          </a:p>
-        </p:txBody>
-      </p:sp>
-    </p:spTree>
-    <p:extLst>
-      <p:ext uri="{BB962C8B-B14F-4D97-AF65-F5344CB8AC3E}">
-        <p14:creationId xmlns:p14="http://schemas.microsoft.com/office/powerpoint/2010/main" val="1620753097"/>
+        <p14:creationId xmlns:p14="http://schemas.microsoft.com/office/powerpoint/2010/main" val="2882641564"/>
       </p:ext>
     </p:extLst>
   </p:cSld>
@@ -2046,7 +2592,7 @@
           <p:cNvPr id="2" name="Date Placeholder 1">
             <a:extLst>
               <a:ext uri="{FF2B5EF4-FFF2-40B4-BE49-F238E27FC236}">
-                <a16:creationId xmlns:a16="http://schemas.microsoft.com/office/drawing/2014/main" id="{0CB2693B-4518-D83F-FCF0-1DC605ADDD5D}"/>
+                <a16:creationId xmlns:a16="http://schemas.microsoft.com/office/drawing/2014/main" id="{564A58A6-9497-4602-8410-9582AF89F6E9}"/>
               </a:ext>
             </a:extLst>
           </p:cNvPr>
@@ -2062,10 +2608,6 @@
           <a:bodyPr/>
           <a:lstStyle/>
           <a:p>
-            <a:fld id="{36ECAE85-DFE9-49C6-B093-25B8258B6F44}" type="datetimeFigureOut">
-              <a:rPr lang="en-US" smtClean="0"/>
-              <a:t>8/2/2022</a:t>
-            </a:fld>
             <a:endParaRPr lang="en-US"/>
           </a:p>
         </p:txBody>
@@ -2075,7 +2617,7 @@
           <p:cNvPr id="3" name="Footer Placeholder 2">
             <a:extLst>
               <a:ext uri="{FF2B5EF4-FFF2-40B4-BE49-F238E27FC236}">
-                <a16:creationId xmlns:a16="http://schemas.microsoft.com/office/drawing/2014/main" id="{48549E51-30A0-8C58-7B82-B0D2A5F38B8F}"/>
+                <a16:creationId xmlns:a16="http://schemas.microsoft.com/office/drawing/2014/main" id="{B7EF2855-21B3-46AD-A09A-BF3FFC0FBE27}"/>
               </a:ext>
             </a:extLst>
           </p:cNvPr>
@@ -2100,7 +2642,7 @@
           <p:cNvPr id="4" name="Slide Number Placeholder 3">
             <a:extLst>
               <a:ext uri="{FF2B5EF4-FFF2-40B4-BE49-F238E27FC236}">
-                <a16:creationId xmlns:a16="http://schemas.microsoft.com/office/drawing/2014/main" id="{AB20C9DA-31CB-0C5F-5F66-655E66C70CF6}"/>
+                <a16:creationId xmlns:a16="http://schemas.microsoft.com/office/drawing/2014/main" id="{C6A7E9D0-3951-4711-A315-85055E0B25D0}"/>
               </a:ext>
             </a:extLst>
           </p:cNvPr>
@@ -2116,7 +2658,7 @@
           <a:bodyPr/>
           <a:lstStyle/>
           <a:p>
-            <a:fld id="{D3F3AD47-EAC2-464A-A17C-2D5009501DCD}" type="slidenum">
+            <a:fld id="{5911C0E6-D9CE-431C-92CB-BB39B872F930}" type="slidenum">
               <a:rPr lang="en-US" smtClean="0"/>
               <a:t>‹#›</a:t>
             </a:fld>
@@ -2127,7 +2669,7 @@
     </p:spTree>
     <p:extLst>
       <p:ext uri="{BB962C8B-B14F-4D97-AF65-F5344CB8AC3E}">
-        <p14:creationId xmlns:p14="http://schemas.microsoft.com/office/powerpoint/2010/main" val="4146401866"/>
+        <p14:creationId xmlns:p14="http://schemas.microsoft.com/office/powerpoint/2010/main" val="3873831724"/>
       </p:ext>
     </p:extLst>
   </p:cSld>
@@ -2159,7 +2701,7 @@
           <p:cNvPr id="2" name="Title 1">
             <a:extLst>
               <a:ext uri="{FF2B5EF4-FFF2-40B4-BE49-F238E27FC236}">
-                <a16:creationId xmlns:a16="http://schemas.microsoft.com/office/drawing/2014/main" id="{C67DD5E7-B729-3DEB-FD36-97E1E048DF5F}"/>
+                <a16:creationId xmlns:a16="http://schemas.microsoft.com/office/drawing/2014/main" id="{F73716BD-BDDD-404B-A737-D451640E51D7}"/>
               </a:ext>
             </a:extLst>
           </p:cNvPr>
@@ -2196,7 +2738,7 @@
           <p:cNvPr id="3" name="Content Placeholder 2">
             <a:extLst>
               <a:ext uri="{FF2B5EF4-FFF2-40B4-BE49-F238E27FC236}">
-                <a16:creationId xmlns:a16="http://schemas.microsoft.com/office/drawing/2014/main" id="{8CE83CD7-54A1-D515-A2C6-D27544DE1DF6}"/>
+                <a16:creationId xmlns:a16="http://schemas.microsoft.com/office/drawing/2014/main" id="{06D10A48-15AA-440B-94D7-208B6A192EF7}"/>
               </a:ext>
             </a:extLst>
           </p:cNvPr>
@@ -2286,7 +2828,7 @@
           <p:cNvPr id="4" name="Text Placeholder 3">
             <a:extLst>
               <a:ext uri="{FF2B5EF4-FFF2-40B4-BE49-F238E27FC236}">
-                <a16:creationId xmlns:a16="http://schemas.microsoft.com/office/drawing/2014/main" id="{AB50B0BE-F83D-C119-5BC0-1B6D75ED9656}"/>
+                <a16:creationId xmlns:a16="http://schemas.microsoft.com/office/drawing/2014/main" id="{9B1BD622-7B5B-4961-8450-FA006C270CD4}"/>
               </a:ext>
             </a:extLst>
           </p:cNvPr>
@@ -2357,7 +2899,7 @@
           <p:cNvPr id="5" name="Date Placeholder 4">
             <a:extLst>
               <a:ext uri="{FF2B5EF4-FFF2-40B4-BE49-F238E27FC236}">
-                <a16:creationId xmlns:a16="http://schemas.microsoft.com/office/drawing/2014/main" id="{053A132C-0FD7-A6E1-AE5F-79307AB29F10}"/>
+                <a16:creationId xmlns:a16="http://schemas.microsoft.com/office/drawing/2014/main" id="{21D8B510-0A2B-4BE4-A2BF-37039DD82919}"/>
               </a:ext>
             </a:extLst>
           </p:cNvPr>
@@ -2373,10 +2915,6 @@
           <a:bodyPr/>
           <a:lstStyle/>
           <a:p>
-            <a:fld id="{36ECAE85-DFE9-49C6-B093-25B8258B6F44}" type="datetimeFigureOut">
-              <a:rPr lang="en-US" smtClean="0"/>
-              <a:t>8/2/2022</a:t>
-            </a:fld>
             <a:endParaRPr lang="en-US"/>
           </a:p>
         </p:txBody>
@@ -2386,7 +2924,7 @@
           <p:cNvPr id="6" name="Footer Placeholder 5">
             <a:extLst>
               <a:ext uri="{FF2B5EF4-FFF2-40B4-BE49-F238E27FC236}">
-                <a16:creationId xmlns:a16="http://schemas.microsoft.com/office/drawing/2014/main" id="{B227AF8E-FD17-FE73-FEE3-E5E7DD7A8CBE}"/>
+                <a16:creationId xmlns:a16="http://schemas.microsoft.com/office/drawing/2014/main" id="{D1560D50-3050-4615-B3DB-A5BD19924991}"/>
               </a:ext>
             </a:extLst>
           </p:cNvPr>
@@ -2411,7 +2949,7 @@
           <p:cNvPr id="7" name="Slide Number Placeholder 6">
             <a:extLst>
               <a:ext uri="{FF2B5EF4-FFF2-40B4-BE49-F238E27FC236}">
-                <a16:creationId xmlns:a16="http://schemas.microsoft.com/office/drawing/2014/main" id="{3FC19C31-D9BE-C34F-A58D-7EA496A05949}"/>
+                <a16:creationId xmlns:a16="http://schemas.microsoft.com/office/drawing/2014/main" id="{0BBF9272-3109-4994-82DF-63220203D3D3}"/>
               </a:ext>
             </a:extLst>
           </p:cNvPr>
@@ -2427,7 +2965,7 @@
           <a:bodyPr/>
           <a:lstStyle/>
           <a:p>
-            <a:fld id="{D3F3AD47-EAC2-464A-A17C-2D5009501DCD}" type="slidenum">
+            <a:fld id="{5911C0E6-D9CE-431C-92CB-BB39B872F930}" type="slidenum">
               <a:rPr lang="en-US" smtClean="0"/>
               <a:t>‹#›</a:t>
             </a:fld>
@@ -2438,7 +2976,7 @@
     </p:spTree>
     <p:extLst>
       <p:ext uri="{BB962C8B-B14F-4D97-AF65-F5344CB8AC3E}">
-        <p14:creationId xmlns:p14="http://schemas.microsoft.com/office/powerpoint/2010/main" val="3181828823"/>
+        <p14:creationId xmlns:p14="http://schemas.microsoft.com/office/powerpoint/2010/main" val="4232083128"/>
       </p:ext>
     </p:extLst>
   </p:cSld>
@@ -2470,7 +3008,7 @@
           <p:cNvPr id="2" name="Title 1">
             <a:extLst>
               <a:ext uri="{FF2B5EF4-FFF2-40B4-BE49-F238E27FC236}">
-                <a16:creationId xmlns:a16="http://schemas.microsoft.com/office/drawing/2014/main" id="{DC03BB74-DCAB-D053-D941-ED6CA2111520}"/>
+                <a16:creationId xmlns:a16="http://schemas.microsoft.com/office/drawing/2014/main" id="{FCE1A70D-8DA6-41B3-B0BD-6720143CB8E0}"/>
               </a:ext>
             </a:extLst>
           </p:cNvPr>
@@ -2507,7 +3045,7 @@
           <p:cNvPr id="3" name="Picture Placeholder 2">
             <a:extLst>
               <a:ext uri="{FF2B5EF4-FFF2-40B4-BE49-F238E27FC236}">
-                <a16:creationId xmlns:a16="http://schemas.microsoft.com/office/drawing/2014/main" id="{6F863B18-4E70-A2A7-F156-09FE1F8E49E5}"/>
+                <a16:creationId xmlns:a16="http://schemas.microsoft.com/office/drawing/2014/main" id="{88C84238-60FD-438B-A4D3-E3183A4338B5}"/>
               </a:ext>
             </a:extLst>
           </p:cNvPr>
@@ -2574,7 +3112,7 @@
           <p:cNvPr id="4" name="Text Placeholder 3">
             <a:extLst>
               <a:ext uri="{FF2B5EF4-FFF2-40B4-BE49-F238E27FC236}">
-                <a16:creationId xmlns:a16="http://schemas.microsoft.com/office/drawing/2014/main" id="{1C29B3E0-3C94-50C8-EE89-F157A23E217A}"/>
+                <a16:creationId xmlns:a16="http://schemas.microsoft.com/office/drawing/2014/main" id="{A96F590D-599E-4ACA-8854-9CCCDC01DB5C}"/>
               </a:ext>
             </a:extLst>
           </p:cNvPr>
@@ -2645,7 +3183,7 @@
           <p:cNvPr id="5" name="Date Placeholder 4">
             <a:extLst>
               <a:ext uri="{FF2B5EF4-FFF2-40B4-BE49-F238E27FC236}">
-                <a16:creationId xmlns:a16="http://schemas.microsoft.com/office/drawing/2014/main" id="{20D21691-3008-13EF-A85D-58AC48F8C05E}"/>
+                <a16:creationId xmlns:a16="http://schemas.microsoft.com/office/drawing/2014/main" id="{A37FB307-B30F-473C-B014-03F8C3E0A856}"/>
               </a:ext>
             </a:extLst>
           </p:cNvPr>
@@ -2661,10 +3199,6 @@
           <a:bodyPr/>
           <a:lstStyle/>
           <a:p>
-            <a:fld id="{36ECAE85-DFE9-49C6-B093-25B8258B6F44}" type="datetimeFigureOut">
-              <a:rPr lang="en-US" smtClean="0"/>
-              <a:t>8/2/2022</a:t>
-            </a:fld>
             <a:endParaRPr lang="en-US"/>
           </a:p>
         </p:txBody>
@@ -2674,7 +3208,7 @@
           <p:cNvPr id="6" name="Footer Placeholder 5">
             <a:extLst>
               <a:ext uri="{FF2B5EF4-FFF2-40B4-BE49-F238E27FC236}">
-                <a16:creationId xmlns:a16="http://schemas.microsoft.com/office/drawing/2014/main" id="{81B34929-C347-6E5F-E153-8E80463C3ED7}"/>
+                <a16:creationId xmlns:a16="http://schemas.microsoft.com/office/drawing/2014/main" id="{62896B3E-9305-48BB-A601-5A741B66CF00}"/>
               </a:ext>
             </a:extLst>
           </p:cNvPr>
@@ -2699,7 +3233,7 @@
           <p:cNvPr id="7" name="Slide Number Placeholder 6">
             <a:extLst>
               <a:ext uri="{FF2B5EF4-FFF2-40B4-BE49-F238E27FC236}">
-                <a16:creationId xmlns:a16="http://schemas.microsoft.com/office/drawing/2014/main" id="{6EB7EBB9-9470-3221-FAEA-A6F68894AFFD}"/>
+                <a16:creationId xmlns:a16="http://schemas.microsoft.com/office/drawing/2014/main" id="{D14D4B01-7215-42D9-96F3-99337EFD49E3}"/>
               </a:ext>
             </a:extLst>
           </p:cNvPr>
@@ -2715,7 +3249,7 @@
           <a:bodyPr/>
           <a:lstStyle/>
           <a:p>
-            <a:fld id="{D3F3AD47-EAC2-464A-A17C-2D5009501DCD}" type="slidenum">
+            <a:fld id="{5911C0E6-D9CE-431C-92CB-BB39B872F930}" type="slidenum">
               <a:rPr lang="en-US" smtClean="0"/>
               <a:t>‹#›</a:t>
             </a:fld>
@@ -2726,7 +3260,7 @@
     </p:spTree>
     <p:extLst>
       <p:ext uri="{BB962C8B-B14F-4D97-AF65-F5344CB8AC3E}">
-        <p14:creationId xmlns:p14="http://schemas.microsoft.com/office/powerpoint/2010/main" val="923285782"/>
+        <p14:creationId xmlns:p14="http://schemas.microsoft.com/office/powerpoint/2010/main" val="2205565820"/>
       </p:ext>
     </p:extLst>
   </p:cSld>
@@ -2758,39 +3292,75 @@
           <a:chExt cx="0" cy="0"/>
         </a:xfrm>
       </p:grpSpPr>
-      <p:sp>
-        <p:nvSpPr>
-          <p:cNvPr id="2" name="Title Placeholder 1">
-            <a:extLst>
-              <a:ext uri="{FF2B5EF4-FFF2-40B4-BE49-F238E27FC236}">
-                <a16:creationId xmlns:a16="http://schemas.microsoft.com/office/drawing/2014/main" id="{6F55601B-DA8F-8F72-76D5-6842D5587A69}"/>
-              </a:ext>
-            </a:extLst>
-          </p:cNvPr>
-          <p:cNvSpPr>
-            <a:spLocks noGrp="1"/>
-          </p:cNvSpPr>
-          <p:nvPr>
-            <p:ph type="title"/>
-          </p:nvPr>
-        </p:nvSpPr>
+      <p:pic>
+        <p:nvPicPr>
+          <p:cNvPr id="8" name="Picture 7">
+            <a:extLst>
+              <a:ext uri="{FF2B5EF4-FFF2-40B4-BE49-F238E27FC236}">
+                <a16:creationId xmlns:a16="http://schemas.microsoft.com/office/drawing/2014/main" id="{9A77EBE3-DE33-473D-B84E-0B96EDA0F26C}"/>
+              </a:ext>
+            </a:extLst>
+          </p:cNvPr>
+          <p:cNvPicPr>
+            <a:picLocks noChangeAspect="1"/>
+          </p:cNvPicPr>
+          <p:nvPr userDrawn="1"/>
+        </p:nvPicPr>
+        <p:blipFill rotWithShape="1">
+          <a:blip r:embed="rId13">
+            <a:alphaModFix amt="85000"/>
+            <a:extLst>
+              <a:ext uri="{28A0092B-C50C-407E-A947-70E740481C1C}">
+                <a14:useLocalDpi xmlns:a14="http://schemas.microsoft.com/office/drawing/2010/main" val="0"/>
+              </a:ext>
+            </a:extLst>
+          </a:blip>
+          <a:srcRect t="4027" r="6018" b="82064"/>
+          <a:stretch/>
+        </p:blipFill>
         <p:spPr>
           <a:xfrm>
-            <a:off x="838200" y="365125"/>
-            <a:ext cx="10515600" cy="1325563"/>
+            <a:off x="0" y="0"/>
+            <a:ext cx="12192000" cy="953877"/>
           </a:xfrm>
           <a:prstGeom prst="rect">
             <a:avLst/>
           </a:prstGeom>
         </p:spPr>
-        <p:txBody>
-          <a:bodyPr vert="horz" lIns="91440" tIns="45720" rIns="91440" bIns="45720" rtlCol="0" anchor="ctr">
+      </p:pic>
+      <p:sp>
+        <p:nvSpPr>
+          <p:cNvPr id="2" name="Title Placeholder 1">
+            <a:extLst>
+              <a:ext uri="{FF2B5EF4-FFF2-40B4-BE49-F238E27FC236}">
+                <a16:creationId xmlns:a16="http://schemas.microsoft.com/office/drawing/2014/main" id="{E42DEC41-EEAE-461C-9286-7CFA68469DED}"/>
+              </a:ext>
+            </a:extLst>
+          </p:cNvPr>
+          <p:cNvSpPr>
+            <a:spLocks noGrp="1"/>
+          </p:cNvSpPr>
+          <p:nvPr>
+            <p:ph type="title"/>
+          </p:nvPr>
+        </p:nvSpPr>
+        <p:spPr>
+          <a:xfrm>
+            <a:off x="0" y="144617"/>
+            <a:ext cx="10515600" cy="800128"/>
+          </a:xfrm>
+          <a:prstGeom prst="rect">
+            <a:avLst/>
+          </a:prstGeom>
+        </p:spPr>
+        <p:txBody>
+          <a:bodyPr vert="horz" lIns="91440" tIns="45720" rIns="91440" bIns="0" rtlCol="0" anchor="b">
             <a:normAutofit/>
           </a:bodyPr>
           <a:lstStyle/>
           <a:p>
             <a:r>
-              <a:rPr lang="en-US"/>
+              <a:rPr lang="en-US" dirty="0"/>
               <a:t>Click to edit Master title style</a:t>
             </a:r>
           </a:p>
@@ -2801,7 +3371,7 @@
           <p:cNvPr id="3" name="Text Placeholder 2">
             <a:extLst>
               <a:ext uri="{FF2B5EF4-FFF2-40B4-BE49-F238E27FC236}">
-                <a16:creationId xmlns:a16="http://schemas.microsoft.com/office/drawing/2014/main" id="{914CCDA8-1791-8CE1-42E2-F2A98B25761C}"/>
+                <a16:creationId xmlns:a16="http://schemas.microsoft.com/office/drawing/2014/main" id="{62AB40C1-6A14-4D48-955E-298CDABC4D4B}"/>
               </a:ext>
             </a:extLst>
           </p:cNvPr>
@@ -2829,35 +3399,35 @@
           <a:p>
             <a:pPr lvl="0"/>
             <a:r>
-              <a:rPr lang="en-US"/>
+              <a:rPr lang="en-US" dirty="0"/>
               <a:t>Click to edit Master text styles</a:t>
             </a:r>
           </a:p>
           <a:p>
             <a:pPr lvl="1"/>
             <a:r>
-              <a:rPr lang="en-US"/>
+              <a:rPr lang="en-US" dirty="0"/>
               <a:t>Second level</a:t>
             </a:r>
           </a:p>
           <a:p>
             <a:pPr lvl="2"/>
             <a:r>
-              <a:rPr lang="en-US"/>
+              <a:rPr lang="en-US" dirty="0"/>
               <a:t>Third level</a:t>
             </a:r>
           </a:p>
           <a:p>
             <a:pPr lvl="3"/>
             <a:r>
-              <a:rPr lang="en-US"/>
+              <a:rPr lang="en-US" dirty="0"/>
               <a:t>Fourth level</a:t>
             </a:r>
           </a:p>
           <a:p>
             <a:pPr lvl="4"/>
             <a:r>
-              <a:rPr lang="en-US"/>
+              <a:rPr lang="en-US" dirty="0"/>
               <a:t>Fifth level</a:t>
             </a:r>
           </a:p>
@@ -2868,7 +3438,7 @@
           <p:cNvPr id="4" name="Date Placeholder 3">
             <a:extLst>
               <a:ext uri="{FF2B5EF4-FFF2-40B4-BE49-F238E27FC236}">
-                <a16:creationId xmlns:a16="http://schemas.microsoft.com/office/drawing/2014/main" id="{2A59C9D2-1091-A6AF-4E0B-79FF8D79DB3C}"/>
+                <a16:creationId xmlns:a16="http://schemas.microsoft.com/office/drawing/2014/main" id="{260A672B-135B-4E81-8C74-2091FD165FDC}"/>
               </a:ext>
             </a:extLst>
           </p:cNvPr>
@@ -2902,10 +3472,6 @@
             </a:lvl1pPr>
           </a:lstStyle>
           <a:p>
-            <a:fld id="{36ECAE85-DFE9-49C6-B093-25B8258B6F44}" type="datetimeFigureOut">
-              <a:rPr lang="en-US" smtClean="0"/>
-              <a:t>8/2/2022</a:t>
-            </a:fld>
             <a:endParaRPr lang="en-US"/>
           </a:p>
         </p:txBody>
@@ -2915,7 +3481,7 @@
           <p:cNvPr id="5" name="Footer Placeholder 4">
             <a:extLst>
               <a:ext uri="{FF2B5EF4-FFF2-40B4-BE49-F238E27FC236}">
-                <a16:creationId xmlns:a16="http://schemas.microsoft.com/office/drawing/2014/main" id="{B86FA57C-3011-FD6F-F002-DAEB95093564}"/>
+                <a16:creationId xmlns:a16="http://schemas.microsoft.com/office/drawing/2014/main" id="{E9A4120F-B682-40F4-98C7-41DF819AB0CD}"/>
               </a:ext>
             </a:extLst>
           </p:cNvPr>
@@ -2949,7 +3515,7 @@
             </a:lvl1pPr>
           </a:lstStyle>
           <a:p>
-            <a:endParaRPr lang="en-US"/>
+            <a:endParaRPr lang="en-US" dirty="0"/>
           </a:p>
         </p:txBody>
       </p:sp>
@@ -2958,7 +3524,7 @@
           <p:cNvPr id="6" name="Slide Number Placeholder 5">
             <a:extLst>
               <a:ext uri="{FF2B5EF4-FFF2-40B4-BE49-F238E27FC236}">
-                <a16:creationId xmlns:a16="http://schemas.microsoft.com/office/drawing/2014/main" id="{1A5B0C3A-9F8B-EDEE-5F06-39F2EE69D752}"/>
+                <a16:creationId xmlns:a16="http://schemas.microsoft.com/office/drawing/2014/main" id="{9F444C9A-AD5E-4A18-989E-5A4F8C9BB47D}"/>
               </a:ext>
             </a:extLst>
           </p:cNvPr>
@@ -2992,18 +3558,18 @@
             </a:lvl1pPr>
           </a:lstStyle>
           <a:p>
-            <a:fld id="{D3F3AD47-EAC2-464A-A17C-2D5009501DCD}" type="slidenum">
+            <a:fld id="{5911C0E6-D9CE-431C-92CB-BB39B872F930}" type="slidenum">
               <a:rPr lang="en-US" smtClean="0"/>
               <a:t>‹#›</a:t>
             </a:fld>
-            <a:endParaRPr lang="en-US"/>
+            <a:endParaRPr lang="en-US" dirty="0"/>
           </a:p>
         </p:txBody>
       </p:sp>
     </p:spTree>
     <p:extLst>
       <p:ext uri="{BB962C8B-B14F-4D97-AF65-F5344CB8AC3E}">
-        <p14:creationId xmlns:p14="http://schemas.microsoft.com/office/powerpoint/2010/main" val="2416392665"/>
+        <p14:creationId xmlns:p14="http://schemas.microsoft.com/office/powerpoint/2010/main" val="121347719"/>
       </p:ext>
     </p:extLst>
   </p:cSld>
@@ -3011,16 +3577,17 @@
   <p:sldLayoutIdLst>
     <p:sldLayoutId id="2147483649" r:id="rId1"/>
     <p:sldLayoutId id="2147483650" r:id="rId2"/>
-    <p:sldLayoutId id="2147483651" r:id="rId3"/>
-    <p:sldLayoutId id="2147483652" r:id="rId4"/>
-    <p:sldLayoutId id="2147483653" r:id="rId5"/>
-    <p:sldLayoutId id="2147483654" r:id="rId6"/>
+    <p:sldLayoutId id="2147483654" r:id="rId3"/>
+    <p:sldLayoutId id="2147483651" r:id="rId4"/>
+    <p:sldLayoutId id="2147483652" r:id="rId5"/>
+    <p:sldLayoutId id="2147483653" r:id="rId6"/>
     <p:sldLayoutId id="2147483655" r:id="rId7"/>
     <p:sldLayoutId id="2147483656" r:id="rId8"/>
     <p:sldLayoutId id="2147483657" r:id="rId9"/>
     <p:sldLayoutId id="2147483658" r:id="rId10"/>
     <p:sldLayoutId id="2147483659" r:id="rId11"/>
   </p:sldLayoutIdLst>
+  <p:hf hdr="0" ftr="0" dt="0"/>
   <p:txStyles>
     <p:titleStyle>
       <a:lvl1pPr algn="l" defTabSz="914400" rtl="0" eaLnBrk="1" latinLnBrk="0" hangingPunct="1">
@@ -3033,18 +3600,18 @@
         <a:buNone/>
         <a:defRPr sz="4400" kern="1200">
           <a:solidFill>
-            <a:schemeClr val="tx1"/>
+            <a:schemeClr val="bg1"/>
           </a:solidFill>
-          <a:latin typeface="+mj-lt"/>
-          <a:ea typeface="+mj-ea"/>
-          <a:cs typeface="+mj-cs"/>
+          <a:latin typeface="Lucida Grande" pitchFamily="2" charset="0"/>
+          <a:ea typeface="Lucida Grande" pitchFamily="2" charset="0"/>
+          <a:cs typeface="Lucida Grande" pitchFamily="2" charset="0"/>
         </a:defRPr>
       </a:lvl1pPr>
     </p:titleStyle>
     <p:bodyStyle>
       <a:lvl1pPr marL="228600" indent="-228600" algn="l" defTabSz="914400" rtl="0" eaLnBrk="1" latinLnBrk="0" hangingPunct="1">
         <a:lnSpc>
-          <a:spcPct val="90000"/>
+          <a:spcPct val="150000"/>
         </a:lnSpc>
         <a:spcBef>
           <a:spcPts val="1000"/>
@@ -3055,14 +3622,14 @@
           <a:solidFill>
             <a:schemeClr val="tx1"/>
           </a:solidFill>
-          <a:latin typeface="+mn-lt"/>
-          <a:ea typeface="+mn-ea"/>
-          <a:cs typeface="+mn-cs"/>
+          <a:latin typeface="Lucida Grande" pitchFamily="2" charset="0"/>
+          <a:ea typeface="Lucida Grande" pitchFamily="2" charset="0"/>
+          <a:cs typeface="Lucida Grande" pitchFamily="2" charset="0"/>
         </a:defRPr>
       </a:lvl1pPr>
       <a:lvl2pPr marL="685800" indent="-228600" algn="l" defTabSz="914400" rtl="0" eaLnBrk="1" latinLnBrk="0" hangingPunct="1">
         <a:lnSpc>
-          <a:spcPct val="90000"/>
+          <a:spcPct val="150000"/>
         </a:lnSpc>
         <a:spcBef>
           <a:spcPts val="500"/>
@@ -3073,14 +3640,14 @@
           <a:solidFill>
             <a:schemeClr val="tx1"/>
           </a:solidFill>
-          <a:latin typeface="+mn-lt"/>
-          <a:ea typeface="+mn-ea"/>
-          <a:cs typeface="+mn-cs"/>
+          <a:latin typeface="Lucida Grande" pitchFamily="2" charset="0"/>
+          <a:ea typeface="Lucida Grande" pitchFamily="2" charset="0"/>
+          <a:cs typeface="Lucida Grande" pitchFamily="2" charset="0"/>
         </a:defRPr>
       </a:lvl2pPr>
       <a:lvl3pPr marL="1143000" indent="-228600" algn="l" defTabSz="914400" rtl="0" eaLnBrk="1" latinLnBrk="0" hangingPunct="1">
         <a:lnSpc>
-          <a:spcPct val="90000"/>
+          <a:spcPct val="150000"/>
         </a:lnSpc>
         <a:spcBef>
           <a:spcPts val="500"/>
@@ -3091,14 +3658,14 @@
           <a:solidFill>
             <a:schemeClr val="tx1"/>
           </a:solidFill>
-          <a:latin typeface="+mn-lt"/>
-          <a:ea typeface="+mn-ea"/>
-          <a:cs typeface="+mn-cs"/>
+          <a:latin typeface="Lucida Grande" pitchFamily="2" charset="0"/>
+          <a:ea typeface="Lucida Grande" pitchFamily="2" charset="0"/>
+          <a:cs typeface="Lucida Grande" pitchFamily="2" charset="0"/>
         </a:defRPr>
       </a:lvl3pPr>
       <a:lvl4pPr marL="1600200" indent="-228600" algn="l" defTabSz="914400" rtl="0" eaLnBrk="1" latinLnBrk="0" hangingPunct="1">
         <a:lnSpc>
-          <a:spcPct val="90000"/>
+          <a:spcPct val="150000"/>
         </a:lnSpc>
         <a:spcBef>
           <a:spcPts val="500"/>
@@ -3109,14 +3676,14 @@
           <a:solidFill>
             <a:schemeClr val="tx1"/>
           </a:solidFill>
-          <a:latin typeface="+mn-lt"/>
-          <a:ea typeface="+mn-ea"/>
-          <a:cs typeface="+mn-cs"/>
+          <a:latin typeface="Lucida Grande" pitchFamily="2" charset="0"/>
+          <a:ea typeface="Lucida Grande" pitchFamily="2" charset="0"/>
+          <a:cs typeface="Lucida Grande" pitchFamily="2" charset="0"/>
         </a:defRPr>
       </a:lvl4pPr>
       <a:lvl5pPr marL="2057400" indent="-228600" algn="l" defTabSz="914400" rtl="0" eaLnBrk="1" latinLnBrk="0" hangingPunct="1">
         <a:lnSpc>
-          <a:spcPct val="90000"/>
+          <a:spcPct val="150000"/>
         </a:lnSpc>
         <a:spcBef>
           <a:spcPts val="500"/>
@@ -3127,9 +3694,9 @@
           <a:solidFill>
             <a:schemeClr val="tx1"/>
           </a:solidFill>
-          <a:latin typeface="+mn-lt"/>
-          <a:ea typeface="+mn-ea"/>
-          <a:cs typeface="+mn-cs"/>
+          <a:latin typeface="Lucida Grande" pitchFamily="2" charset="0"/>
+          <a:ea typeface="Lucida Grande" pitchFamily="2" charset="0"/>
+          <a:cs typeface="Lucida Grande" pitchFamily="2" charset="0"/>
         </a:defRPr>
       </a:lvl5pPr>
       <a:lvl6pPr marL="2514600" indent="-228600" algn="l" defTabSz="914400" rtl="0" eaLnBrk="1" latinLnBrk="0" hangingPunct="1">
@@ -3326,7 +3893,7 @@
           <p:cNvPr id="2" name="Title 1">
             <a:extLst>
               <a:ext uri="{FF2B5EF4-FFF2-40B4-BE49-F238E27FC236}">
-                <a16:creationId xmlns:a16="http://schemas.microsoft.com/office/drawing/2014/main" id="{7795DD9E-4C90-3C17-EEC1-F24E7C048B25}"/>
+                <a16:creationId xmlns:a16="http://schemas.microsoft.com/office/drawing/2014/main" id="{35A6AEBC-56DD-42D2-9ED1-CBBE0F6F88D1}"/>
               </a:ext>
             </a:extLst>
           </p:cNvPr>
@@ -3342,7 +3909,7 @@
           <a:bodyPr/>
           <a:lstStyle/>
           <a:p>
-            <a:endParaRPr lang="en-US"/>
+            <a:endParaRPr lang="en-US" dirty="0"/>
           </a:p>
         </p:txBody>
       </p:sp>
@@ -3351,7 +3918,7 @@
           <p:cNvPr id="3" name="Subtitle 2">
             <a:extLst>
               <a:ext uri="{FF2B5EF4-FFF2-40B4-BE49-F238E27FC236}">
-                <a16:creationId xmlns:a16="http://schemas.microsoft.com/office/drawing/2014/main" id="{9613850A-746B-CCCF-3255-DF50F54B7B22}"/>
+                <a16:creationId xmlns:a16="http://schemas.microsoft.com/office/drawing/2014/main" id="{AF0B2182-C806-4DF3-ACF7-A902E18DBFD4}"/>
               </a:ext>
             </a:extLst>
           </p:cNvPr>
@@ -3367,14 +3934,98 @@
           <a:bodyPr/>
           <a:lstStyle/>
           <a:p>
-            <a:endParaRPr lang="en-US"/>
+            <a:endParaRPr lang="en-US" dirty="0"/>
           </a:p>
         </p:txBody>
       </p:sp>
     </p:spTree>
     <p:extLst>
       <p:ext uri="{BB962C8B-B14F-4D97-AF65-F5344CB8AC3E}">
-        <p14:creationId xmlns:p14="http://schemas.microsoft.com/office/powerpoint/2010/main" val="2515578264"/>
+        <p14:creationId xmlns:p14="http://schemas.microsoft.com/office/powerpoint/2010/main" val="3189493290"/>
+      </p:ext>
+    </p:extLst>
+  </p:cSld>
+  <p:clrMapOvr>
+    <a:masterClrMapping/>
+  </p:clrMapOvr>
+</p:sld>
+</file>
+
+<file path=ppt/slides/slide2.xml><?xml version="1.0" encoding="utf-8"?>
+<p:sld xmlns:a="http://schemas.openxmlformats.org/drawingml/2006/main" xmlns:r="http://schemas.openxmlformats.org/officeDocument/2006/relationships" xmlns:p="http://schemas.openxmlformats.org/presentationml/2006/main">
+  <p:cSld>
+    <p:spTree>
+      <p:nvGrpSpPr>
+        <p:cNvPr id="1" name=""/>
+        <p:cNvGrpSpPr/>
+        <p:nvPr/>
+      </p:nvGrpSpPr>
+      <p:grpSpPr>
+        <a:xfrm>
+          <a:off x="0" y="0"/>
+          <a:ext cx="0" cy="0"/>
+          <a:chOff x="0" y="0"/>
+          <a:chExt cx="0" cy="0"/>
+        </a:xfrm>
+      </p:grpSpPr>
+      <p:sp>
+        <p:nvSpPr>
+          <p:cNvPr id="2" name="Title 1">
+            <a:extLst>
+              <a:ext uri="{FF2B5EF4-FFF2-40B4-BE49-F238E27FC236}">
+                <a16:creationId xmlns:a16="http://schemas.microsoft.com/office/drawing/2014/main" id="{4041FD49-51CB-4608-A3ED-30B7E304CBD6}"/>
+              </a:ext>
+            </a:extLst>
+          </p:cNvPr>
+          <p:cNvSpPr>
+            <a:spLocks noGrp="1"/>
+          </p:cNvSpPr>
+          <p:nvPr>
+            <p:ph type="title"/>
+          </p:nvPr>
+        </p:nvSpPr>
+        <p:spPr/>
+        <p:txBody>
+          <a:bodyPr/>
+          <a:lstStyle/>
+          <a:p>
+            <a:endParaRPr lang="en-US" dirty="0"/>
+          </a:p>
+        </p:txBody>
+      </p:sp>
+      <p:sp>
+        <p:nvSpPr>
+          <p:cNvPr id="3" name="Slide Number Placeholder 2">
+            <a:extLst>
+              <a:ext uri="{FF2B5EF4-FFF2-40B4-BE49-F238E27FC236}">
+                <a16:creationId xmlns:a16="http://schemas.microsoft.com/office/drawing/2014/main" id="{0D80111F-C31C-4236-B41A-2BA68657A3E1}"/>
+              </a:ext>
+            </a:extLst>
+          </p:cNvPr>
+          <p:cNvSpPr>
+            <a:spLocks noGrp="1"/>
+          </p:cNvSpPr>
+          <p:nvPr>
+            <p:ph type="sldNum" sz="quarter" idx="12"/>
+          </p:nvPr>
+        </p:nvSpPr>
+        <p:spPr/>
+        <p:txBody>
+          <a:bodyPr/>
+          <a:lstStyle/>
+          <a:p>
+            <a:fld id="{5911C0E6-D9CE-431C-92CB-BB39B872F930}" type="slidenum">
+              <a:rPr lang="en-US" smtClean="0"/>
+              <a:t>2</a:t>
+            </a:fld>
+            <a:endParaRPr lang="en-US"/>
+          </a:p>
+        </p:txBody>
+      </p:sp>
+    </p:spTree>
+    <p:extLst>
+      <p:ext uri="{BB962C8B-B14F-4D97-AF65-F5344CB8AC3E}">
+        <p14:creationId xmlns:p14="http://schemas.microsoft.com/office/powerpoint/2010/main" val="3762529990"/>
       </p:ext>
     </p:extLst>
   </p:cSld>
@@ -3385,6 +4036,301 @@
 </file>
 
 <file path=ppt/theme/theme1.xml><?xml version="1.0" encoding="utf-8"?>
+<a:theme xmlns:a="http://schemas.openxmlformats.org/drawingml/2006/main" name="Office Theme">
+  <a:themeElements>
+    <a:clrScheme name="Custom 15">
+      <a:dk1>
+        <a:sysClr val="windowText" lastClr="000000"/>
+      </a:dk1>
+      <a:lt1>
+        <a:sysClr val="window" lastClr="FFFFFF"/>
+      </a:lt1>
+      <a:dk2>
+        <a:srgbClr val="44546A"/>
+      </a:dk2>
+      <a:lt2>
+        <a:srgbClr val="EEECE1"/>
+      </a:lt2>
+      <a:accent1>
+        <a:srgbClr val="4F81BD"/>
+      </a:accent1>
+      <a:accent2>
+        <a:srgbClr val="C0504D"/>
+      </a:accent2>
+      <a:accent3>
+        <a:srgbClr val="9BBB59"/>
+      </a:accent3>
+      <a:accent4>
+        <a:srgbClr val="8064A2"/>
+      </a:accent4>
+      <a:accent5>
+        <a:srgbClr val="4BACC6"/>
+      </a:accent5>
+      <a:accent6>
+        <a:srgbClr val="F79646"/>
+      </a:accent6>
+      <a:hlink>
+        <a:srgbClr val="0000FF"/>
+      </a:hlink>
+      <a:folHlink>
+        <a:srgbClr val="800080"/>
+      </a:folHlink>
+    </a:clrScheme>
+    <a:fontScheme name="Office">
+      <a:majorFont>
+        <a:latin typeface="Calibri Light" panose="020F0302020204030204"/>
+        <a:ea typeface=""/>
+        <a:cs typeface=""/>
+        <a:font script="Jpan" typeface="游ゴシック Light"/>
+        <a:font script="Hang" typeface="맑은 고딕"/>
+        <a:font script="Hans" typeface="等线 Light"/>
+        <a:font script="Hant" typeface="新細明體"/>
+        <a:font script="Arab" typeface="Times New Roman"/>
+        <a:font script="Hebr" typeface="Times New Roman"/>
+        <a:font script="Thai" typeface="Angsana New"/>
+        <a:font script="Ethi" typeface="Nyala"/>
+        <a:font script="Beng" typeface="Vrinda"/>
+        <a:font script="Gujr" typeface="Shruti"/>
+        <a:font script="Khmr" typeface="MoolBoran"/>
+        <a:font script="Knda" typeface="Tunga"/>
+        <a:font script="Guru" typeface="Raavi"/>
+        <a:font script="Cans" typeface="Euphemia"/>
+        <a:font script="Cher" typeface="Plantagenet Cherokee"/>
+        <a:font script="Yiii" typeface="Microsoft Yi Baiti"/>
+        <a:font script="Tibt" typeface="Microsoft Himalaya"/>
+        <a:font script="Thaa" typeface="MV Boli"/>
+        <a:font script="Deva" typeface="Mangal"/>
+        <a:font script="Telu" typeface="Gautami"/>
+        <a:font script="Taml" typeface="Latha"/>
+        <a:font script="Syrc" typeface="Estrangelo Edessa"/>
+        <a:font script="Orya" typeface="Kalinga"/>
+        <a:font script="Mlym" typeface="Kartika"/>
+        <a:font script="Laoo" typeface="DokChampa"/>
+        <a:font script="Sinh" typeface="Iskoola Pota"/>
+        <a:font script="Mong" typeface="Mongolian Baiti"/>
+        <a:font script="Viet" typeface="Times New Roman"/>
+        <a:font script="Uigh" typeface="Microsoft Uighur"/>
+        <a:font script="Geor" typeface="Sylfaen"/>
+        <a:font script="Armn" typeface="Arial"/>
+        <a:font script="Bugi" typeface="Leelawadee UI"/>
+        <a:font script="Bopo" typeface="Microsoft JhengHei"/>
+        <a:font script="Java" typeface="Javanese Text"/>
+        <a:font script="Lisu" typeface="Segoe UI"/>
+        <a:font script="Mymr" typeface="Myanmar Text"/>
+        <a:font script="Nkoo" typeface="Ebrima"/>
+        <a:font script="Olck" typeface="Nirmala UI"/>
+        <a:font script="Osma" typeface="Ebrima"/>
+        <a:font script="Phag" typeface="Phagspa"/>
+        <a:font script="Syrn" typeface="Estrangelo Edessa"/>
+        <a:font script="Syrj" typeface="Estrangelo Edessa"/>
+        <a:font script="Syre" typeface="Estrangelo Edessa"/>
+        <a:font script="Sora" typeface="Nirmala UI"/>
+        <a:font script="Tale" typeface="Microsoft Tai Le"/>
+        <a:font script="Talu" typeface="Microsoft New Tai Lue"/>
+        <a:font script="Tfng" typeface="Ebrima"/>
+      </a:majorFont>
+      <a:minorFont>
+        <a:latin typeface="Calibri" panose="020F0502020204030204"/>
+        <a:ea typeface=""/>
+        <a:cs typeface=""/>
+        <a:font script="Jpan" typeface="游ゴシック"/>
+        <a:font script="Hang" typeface="맑은 고딕"/>
+        <a:font script="Hans" typeface="等线"/>
+        <a:font script="Hant" typeface="新細明體"/>
+        <a:font script="Arab" typeface="Arial"/>
+        <a:font script="Hebr" typeface="Arial"/>
+        <a:font script="Thai" typeface="Cordia New"/>
+        <a:font script="Ethi" typeface="Nyala"/>
+        <a:font script="Beng" typeface="Vrinda"/>
+        <a:font script="Gujr" typeface="Shruti"/>
+        <a:font script="Khmr" typeface="DaunPenh"/>
+        <a:font script="Knda" typeface="Tunga"/>
+        <a:font script="Guru" typeface="Raavi"/>
+        <a:font script="Cans" typeface="Euphemia"/>
+        <a:font script="Cher" typeface="Plantagenet Cherokee"/>
+        <a:font script="Yiii" typeface="Microsoft Yi Baiti"/>
+        <a:font script="Tibt" typeface="Microsoft Himalaya"/>
+        <a:font script="Thaa" typeface="MV Boli"/>
+        <a:font script="Deva" typeface="Mangal"/>
+        <a:font script="Telu" typeface="Gautami"/>
+        <a:font script="Taml" typeface="Latha"/>
+        <a:font script="Syrc" typeface="Estrangelo Edessa"/>
+        <a:font script="Orya" typeface="Kalinga"/>
+        <a:font script="Mlym" typeface="Kartika"/>
+        <a:font script="Laoo" typeface="DokChampa"/>
+        <a:font script="Sinh" typeface="Iskoola Pota"/>
+        <a:font script="Mong" typeface="Mongolian Baiti"/>
+        <a:font script="Viet" typeface="Arial"/>
+        <a:font script="Uigh" typeface="Microsoft Uighur"/>
+        <a:font script="Geor" typeface="Sylfaen"/>
+        <a:font script="Armn" typeface="Arial"/>
+        <a:font script="Bugi" typeface="Leelawadee UI"/>
+        <a:font script="Bopo" typeface="Microsoft JhengHei"/>
+        <a:font script="Java" typeface="Javanese Text"/>
+        <a:font script="Lisu" typeface="Segoe UI"/>
+        <a:font script="Mymr" typeface="Myanmar Text"/>
+        <a:font script="Nkoo" typeface="Ebrima"/>
+        <a:font script="Olck" typeface="Nirmala UI"/>
+        <a:font script="Osma" typeface="Ebrima"/>
+        <a:font script="Phag" typeface="Phagspa"/>
+        <a:font script="Syrn" typeface="Estrangelo Edessa"/>
+        <a:font script="Syrj" typeface="Estrangelo Edessa"/>
+        <a:font script="Syre" typeface="Estrangelo Edessa"/>
+        <a:font script="Sora" typeface="Nirmala UI"/>
+        <a:font script="Tale" typeface="Microsoft Tai Le"/>
+        <a:font script="Talu" typeface="Microsoft New Tai Lue"/>
+        <a:font script="Tfng" typeface="Ebrima"/>
+      </a:minorFont>
+    </a:fontScheme>
+    <a:fmtScheme name="Office">
+      <a:fillStyleLst>
+        <a:solidFill>
+          <a:schemeClr val="phClr"/>
+        </a:solidFill>
+        <a:gradFill rotWithShape="1">
+          <a:gsLst>
+            <a:gs pos="0">
+              <a:schemeClr val="phClr">
+                <a:lumMod val="110000"/>
+                <a:satMod val="105000"/>
+                <a:tint val="67000"/>
+              </a:schemeClr>
+            </a:gs>
+            <a:gs pos="50000">
+              <a:schemeClr val="phClr">
+                <a:lumMod val="105000"/>
+                <a:satMod val="103000"/>
+                <a:tint val="73000"/>
+              </a:schemeClr>
+            </a:gs>
+            <a:gs pos="100000">
+              <a:schemeClr val="phClr">
+                <a:lumMod val="105000"/>
+                <a:satMod val="109000"/>
+                <a:tint val="81000"/>
+              </a:schemeClr>
+            </a:gs>
+          </a:gsLst>
+          <a:lin ang="5400000" scaled="0"/>
+        </a:gradFill>
+        <a:gradFill rotWithShape="1">
+          <a:gsLst>
+            <a:gs pos="0">
+              <a:schemeClr val="phClr">
+                <a:satMod val="103000"/>
+                <a:lumMod val="102000"/>
+                <a:tint val="94000"/>
+              </a:schemeClr>
+            </a:gs>
+            <a:gs pos="50000">
+              <a:schemeClr val="phClr">
+                <a:satMod val="110000"/>
+                <a:lumMod val="100000"/>
+                <a:shade val="100000"/>
+              </a:schemeClr>
+            </a:gs>
+            <a:gs pos="100000">
+              <a:schemeClr val="phClr">
+                <a:lumMod val="99000"/>
+                <a:satMod val="120000"/>
+                <a:shade val="78000"/>
+              </a:schemeClr>
+            </a:gs>
+          </a:gsLst>
+          <a:lin ang="5400000" scaled="0"/>
+        </a:gradFill>
+      </a:fillStyleLst>
+      <a:lnStyleLst>
+        <a:ln w="6350" cap="flat" cmpd="sng" algn="ctr">
+          <a:solidFill>
+            <a:schemeClr val="phClr"/>
+          </a:solidFill>
+          <a:prstDash val="solid"/>
+          <a:miter lim="800000"/>
+        </a:ln>
+        <a:ln w="12700" cap="flat" cmpd="sng" algn="ctr">
+          <a:solidFill>
+            <a:schemeClr val="phClr"/>
+          </a:solidFill>
+          <a:prstDash val="solid"/>
+          <a:miter lim="800000"/>
+        </a:ln>
+        <a:ln w="19050" cap="flat" cmpd="sng" algn="ctr">
+          <a:solidFill>
+            <a:schemeClr val="phClr"/>
+          </a:solidFill>
+          <a:prstDash val="solid"/>
+          <a:miter lim="800000"/>
+        </a:ln>
+      </a:lnStyleLst>
+      <a:effectStyleLst>
+        <a:effectStyle>
+          <a:effectLst/>
+        </a:effectStyle>
+        <a:effectStyle>
+          <a:effectLst/>
+        </a:effectStyle>
+        <a:effectStyle>
+          <a:effectLst>
+            <a:outerShdw blurRad="57150" dist="19050" dir="5400000" algn="ctr" rotWithShape="0">
+              <a:srgbClr val="000000">
+                <a:alpha val="63000"/>
+              </a:srgbClr>
+            </a:outerShdw>
+          </a:effectLst>
+        </a:effectStyle>
+      </a:effectStyleLst>
+      <a:bgFillStyleLst>
+        <a:solidFill>
+          <a:schemeClr val="phClr"/>
+        </a:solidFill>
+        <a:solidFill>
+          <a:schemeClr val="phClr">
+            <a:tint val="95000"/>
+            <a:satMod val="170000"/>
+          </a:schemeClr>
+        </a:solidFill>
+        <a:gradFill rotWithShape="1">
+          <a:gsLst>
+            <a:gs pos="0">
+              <a:schemeClr val="phClr">
+                <a:tint val="93000"/>
+                <a:satMod val="150000"/>
+                <a:shade val="98000"/>
+                <a:lumMod val="102000"/>
+              </a:schemeClr>
+            </a:gs>
+            <a:gs pos="50000">
+              <a:schemeClr val="phClr">
+                <a:tint val="98000"/>
+                <a:satMod val="130000"/>
+                <a:shade val="90000"/>
+                <a:lumMod val="103000"/>
+              </a:schemeClr>
+            </a:gs>
+            <a:gs pos="100000">
+              <a:schemeClr val="phClr">
+                <a:shade val="63000"/>
+                <a:satMod val="120000"/>
+              </a:schemeClr>
+            </a:gs>
+          </a:gsLst>
+          <a:lin ang="5400000" scaled="0"/>
+        </a:gradFill>
+      </a:bgFillStyleLst>
+    </a:fmtScheme>
+  </a:themeElements>
+  <a:objectDefaults/>
+  <a:extraClrSchemeLst/>
+  <a:extLst>
+    <a:ext uri="{05A4C25C-085E-4340-85A3-A5531E510DB2}">
+      <thm15:themeFamily xmlns:thm15="http://schemas.microsoft.com/office/thememl/2012/main" name="Office Theme" id="{62F939B6-93AF-4DB8-9C6B-D6C7DFDC589F}" vid="{4A3C46E8-61CC-4603-A589-7422A47A8E4A}"/>
+    </a:ext>
+  </a:extLst>
+</a:theme>
+</file>
+
+<file path=ppt/theme/theme2.xml><?xml version="1.0" encoding="utf-8"?>
 <a:theme xmlns:a="http://schemas.openxmlformats.org/drawingml/2006/main" name="Office Theme">
   <a:themeElements>
     <a:clrScheme name="Office">
